--- a/PWP Presentation 1/Présentation7.pptx
+++ b/PWP Presentation 1/Présentation7.pptx
@@ -112,7 +112,7 @@
   </p:defaultTextStyle>
   <p:extLst>
     <p:ext uri="{EFAFB233-063F-42B5-8137-9DF3F51BA10A}">
-      <p15:sldGuideLst xmlns:p15="http://schemas.microsoft.com/office/powerpoint/2012/main"/>
+      <p15:sldGuideLst xmlns:p15="http://schemas.microsoft.com/office/powerpoint/2012/main" xmlns=""/>
     </p:ext>
   </p:extLst>
 </p:presentation>
@@ -348,7 +348,7 @@
             <a:fld id="{B61BEF0D-F0BB-DE4B-95CE-6DB70DBA9567}" type="datetimeFigureOut">
               <a:rPr lang="en-US" dirty="0"/>
               <a:pPr/>
-              <a:t>11/6/2016</a:t>
+              <a:t>11/7/2016</a:t>
             </a:fld>
             <a:endParaRPr lang="en-US" dirty="0"/>
           </a:p>
@@ -679,7 +679,7 @@
             <a:fld id="{B61BEF0D-F0BB-DE4B-95CE-6DB70DBA9567}" type="datetimeFigureOut">
               <a:rPr lang="en-US" dirty="0"/>
               <a:pPr/>
-              <a:t>11/6/2016</a:t>
+              <a:t>11/7/2016</a:t>
             </a:fld>
             <a:endParaRPr lang="en-US" dirty="0"/>
           </a:p>
@@ -954,7 +954,7 @@
             <a:fld id="{B61BEF0D-F0BB-DE4B-95CE-6DB70DBA9567}" type="datetimeFigureOut">
               <a:rPr lang="en-US" dirty="0"/>
               <a:pPr/>
-              <a:t>11/6/2016</a:t>
+              <a:t>11/7/2016</a:t>
             </a:fld>
             <a:endParaRPr lang="en-US" dirty="0"/>
           </a:p>
@@ -1519,7 +1519,7 @@
             <a:fld id="{B61BEF0D-F0BB-DE4B-95CE-6DB70DBA9567}" type="datetimeFigureOut">
               <a:rPr lang="en-US" dirty="0"/>
               <a:pPr/>
-              <a:t>11/6/2016</a:t>
+              <a:t>11/7/2016</a:t>
             </a:fld>
             <a:endParaRPr lang="en-US" dirty="0"/>
           </a:p>
@@ -1794,7 +1794,7 @@
             <a:fld id="{B61BEF0D-F0BB-DE4B-95CE-6DB70DBA9567}" type="datetimeFigureOut">
               <a:rPr lang="en-US" dirty="0"/>
               <a:pPr/>
-              <a:t>11/6/2016</a:t>
+              <a:t>11/7/2016</a:t>
             </a:fld>
             <a:endParaRPr lang="en-US" dirty="0"/>
           </a:p>
@@ -2353,7 +2353,7 @@
             <a:fld id="{B61BEF0D-F0BB-DE4B-95CE-6DB70DBA9567}" type="datetimeFigureOut">
               <a:rPr lang="en-US" dirty="0"/>
               <a:pPr/>
-              <a:t>11/6/2016</a:t>
+              <a:t>11/7/2016</a:t>
             </a:fld>
             <a:endParaRPr lang="en-US" dirty="0"/>
           </a:p>
@@ -2677,7 +2677,7 @@
             <a:fld id="{B61BEF0D-F0BB-DE4B-95CE-6DB70DBA9567}" type="datetimeFigureOut">
               <a:rPr lang="en-US" dirty="0"/>
               <a:pPr/>
-              <a:t>11/6/2016</a:t>
+              <a:t>11/7/2016</a:t>
             </a:fld>
             <a:endParaRPr lang="en-US" dirty="0"/>
           </a:p>
@@ -2879,7 +2879,7 @@
             <a:fld id="{B61BEF0D-F0BB-DE4B-95CE-6DB70DBA9567}" type="datetimeFigureOut">
               <a:rPr lang="en-US" dirty="0"/>
               <a:pPr/>
-              <a:t>11/6/2016</a:t>
+              <a:t>11/7/2016</a:t>
             </a:fld>
             <a:endParaRPr lang="en-US" dirty="0"/>
           </a:p>
@@ -3086,7 +3086,7 @@
             <a:fld id="{B61BEF0D-F0BB-DE4B-95CE-6DB70DBA9567}" type="datetimeFigureOut">
               <a:rPr lang="en-US" dirty="0"/>
               <a:pPr/>
-              <a:t>11/6/2016</a:t>
+              <a:t>11/7/2016</a:t>
             </a:fld>
             <a:endParaRPr lang="en-US" dirty="0"/>
           </a:p>
@@ -3283,7 +3283,7 @@
             <a:fld id="{B61BEF0D-F0BB-DE4B-95CE-6DB70DBA9567}" type="datetimeFigureOut">
               <a:rPr lang="en-US" dirty="0"/>
               <a:pPr/>
-              <a:t>11/6/2016</a:t>
+              <a:t>11/7/2016</a:t>
             </a:fld>
             <a:endParaRPr lang="en-US" dirty="0"/>
           </a:p>
@@ -3556,7 +3556,7 @@
             <a:fld id="{B61BEF0D-F0BB-DE4B-95CE-6DB70DBA9567}" type="datetimeFigureOut">
               <a:rPr lang="en-US" dirty="0"/>
               <a:pPr/>
-              <a:t>11/6/2016</a:t>
+              <a:t>11/7/2016</a:t>
             </a:fld>
             <a:endParaRPr lang="en-US" dirty="0"/>
           </a:p>
@@ -3819,7 +3819,7 @@
             <a:fld id="{B61BEF0D-F0BB-DE4B-95CE-6DB70DBA9567}" type="datetimeFigureOut">
               <a:rPr lang="en-US" dirty="0"/>
               <a:pPr/>
-              <a:t>11/6/2016</a:t>
+              <a:t>11/7/2016</a:t>
             </a:fld>
             <a:endParaRPr lang="en-US" dirty="0"/>
           </a:p>
@@ -4190,7 +4190,7 @@
             <a:fld id="{B61BEF0D-F0BB-DE4B-95CE-6DB70DBA9567}" type="datetimeFigureOut">
               <a:rPr lang="en-US" dirty="0"/>
               <a:pPr/>
-              <a:t>11/6/2016</a:t>
+              <a:t>11/7/2016</a:t>
             </a:fld>
             <a:endParaRPr lang="en-US" dirty="0"/>
           </a:p>
@@ -4335,7 +4335,7 @@
             <a:fld id="{B61BEF0D-F0BB-DE4B-95CE-6DB70DBA9567}" type="datetimeFigureOut">
               <a:rPr lang="en-US" dirty="0"/>
               <a:pPr/>
-              <a:t>11/6/2016</a:t>
+              <a:t>11/7/2016</a:t>
             </a:fld>
             <a:endParaRPr lang="en-US" dirty="0"/>
           </a:p>
@@ -4457,7 +4457,7 @@
             <a:fld id="{B61BEF0D-F0BB-DE4B-95CE-6DB70DBA9567}" type="datetimeFigureOut">
               <a:rPr lang="en-US" dirty="0"/>
               <a:pPr/>
-              <a:t>11/6/2016</a:t>
+              <a:t>11/7/2016</a:t>
             </a:fld>
             <a:endParaRPr lang="en-US" dirty="0"/>
           </a:p>
@@ -4739,7 +4739,7 @@
             <a:fld id="{B61BEF0D-F0BB-DE4B-95CE-6DB70DBA9567}" type="datetimeFigureOut">
               <a:rPr lang="en-US" dirty="0"/>
               <a:pPr/>
-              <a:t>11/6/2016</a:t>
+              <a:t>11/7/2016</a:t>
             </a:fld>
             <a:endParaRPr lang="en-US" dirty="0"/>
           </a:p>
@@ -5060,7 +5060,7 @@
             <a:fld id="{B61BEF0D-F0BB-DE4B-95CE-6DB70DBA9567}" type="datetimeFigureOut">
               <a:rPr lang="en-US" dirty="0"/>
               <a:pPr/>
-              <a:t>11/6/2016</a:t>
+              <a:t>11/7/2016</a:t>
             </a:fld>
             <a:endParaRPr lang="en-US" dirty="0"/>
           </a:p>
@@ -5271,7 +5271,7 @@
             <a:fld id="{B61BEF0D-F0BB-DE4B-95CE-6DB70DBA9567}" type="datetimeFigureOut">
               <a:rPr lang="en-US" dirty="0"/>
               <a:pPr/>
-              <a:t>11/6/2016</a:t>
+              <a:t>11/7/2016</a:t>
             </a:fld>
             <a:endParaRPr lang="en-US" dirty="0"/>
           </a:p>
@@ -5802,7 +5802,7 @@
         </p:blipFill>
         <p:spPr>
           <a:xfrm>
-            <a:off x="233265" y="1166327"/>
+            <a:off x="5149911" y="1582138"/>
             <a:ext cx="1334278" cy="1324945"/>
           </a:xfrm>
           <a:prstGeom prst="rect">
@@ -5818,7 +5818,7 @@
         </p:nvSpPr>
         <p:spPr>
           <a:xfrm>
-            <a:off x="6316164" y="3270579"/>
+            <a:off x="4395027" y="2907083"/>
             <a:ext cx="2844047" cy="1569660"/>
           </a:xfrm>
           <a:prstGeom prst="rect">
@@ -6147,16 +6147,17 @@
           <a:p>
             <a:r>
               <a:rPr lang="fr-BE" dirty="0"/>
-              <a:t>Réalisation d’une librairie dll intégrant les fonctionnalités de la </a:t>
-            </a:r>
-            <a:r>
-              <a:rPr lang="fr-BE" dirty="0" err="1"/>
-              <a:t>Maps</a:t>
+              <a:t>Réalisation d’une librairie dll intégrant les fonctionnalités </a:t>
+            </a:r>
+            <a:r>
+              <a:rPr lang="fr-BE" dirty="0" smtClean="0"/>
+              <a:t>de la cartographie</a:t>
             </a:r>
             <a:r>
               <a:rPr lang="fr-BE" dirty="0" smtClean="0"/>
               <a:t>.</a:t>
             </a:r>
+            <a:endParaRPr lang="fr-BE" dirty="0" smtClean="0"/>
           </a:p>
           <a:p>
             <a:r>
@@ -6963,16 +6964,11 @@
               <a:rPr lang="fr-BE" dirty="0" smtClean="0"/>
               <a:t>Durée du trajet ( itinéraire )</a:t>
             </a:r>
-            <a:endParaRPr lang="fr-BE" dirty="0" smtClean="0"/>
           </a:p>
           <a:p>
             <a:r>
               <a:rPr lang="fr-BE" dirty="0" smtClean="0"/>
-              <a:t>Kilométrage du </a:t>
-            </a:r>
-            <a:r>
-              <a:rPr lang="fr-BE" dirty="0" smtClean="0"/>
-              <a:t>trajet </a:t>
+              <a:t>Kilométrage du trajet </a:t>
             </a:r>
             <a:r>
               <a:rPr lang="fr-BE" dirty="0"/>
@@ -7282,7 +7278,7 @@
   <a:extraClrSchemeLst/>
   <a:extLst>
     <a:ext uri="{05A4C25C-085E-4340-85A3-A5531E510DB2}">
-      <thm15:themeFamily xmlns:thm15="http://schemas.microsoft.com/office/thememl/2012/main" name="Celestial" id="{C4BB2A3D-0E93-4C5F-B0D2-9D3FCE089CC5}" vid="{E44E6A2F-09CD-4BE0-B42D-107FF03CEED6}"/>
+      <thm15:themeFamily xmlns:thm15="http://schemas.microsoft.com/office/thememl/2012/main" xmlns="" name="Celestial" id="{C4BB2A3D-0E93-4C5F-B0D2-9D3FCE089CC5}" vid="{E44E6A2F-09CD-4BE0-B42D-107FF03CEED6}"/>
     </a:ext>
   </a:extLst>
 </a:theme>

--- a/PWP Presentation 1/Présentation7.pptx
+++ b/PWP Presentation 1/Présentation7.pptx
@@ -112,7 +112,7 @@
   </p:defaultTextStyle>
   <p:extLst>
     <p:ext uri="{EFAFB233-063F-42B5-8137-9DF3F51BA10A}">
-      <p15:sldGuideLst xmlns:p15="http://schemas.microsoft.com/office/powerpoint/2012/main" xmlns=""/>
+      <p15:sldGuideLst xmlns="" xmlns:p15="http://schemas.microsoft.com/office/powerpoint/2012/main"/>
     </p:ext>
   </p:extLst>
 </p:presentation>
@@ -348,7 +348,7 @@
             <a:fld id="{B61BEF0D-F0BB-DE4B-95CE-6DB70DBA9567}" type="datetimeFigureOut">
               <a:rPr lang="en-US" dirty="0"/>
               <a:pPr/>
-              <a:t>11/7/2016</a:t>
+              <a:t>11/8/2016</a:t>
             </a:fld>
             <a:endParaRPr lang="en-US" dirty="0"/>
           </a:p>
@@ -679,7 +679,7 @@
             <a:fld id="{B61BEF0D-F0BB-DE4B-95CE-6DB70DBA9567}" type="datetimeFigureOut">
               <a:rPr lang="en-US" dirty="0"/>
               <a:pPr/>
-              <a:t>11/7/2016</a:t>
+              <a:t>11/8/2016</a:t>
             </a:fld>
             <a:endParaRPr lang="en-US" dirty="0"/>
           </a:p>
@@ -954,7 +954,7 @@
             <a:fld id="{B61BEF0D-F0BB-DE4B-95CE-6DB70DBA9567}" type="datetimeFigureOut">
               <a:rPr lang="en-US" dirty="0"/>
               <a:pPr/>
-              <a:t>11/7/2016</a:t>
+              <a:t>11/8/2016</a:t>
             </a:fld>
             <a:endParaRPr lang="en-US" dirty="0"/>
           </a:p>
@@ -1519,7 +1519,7 @@
             <a:fld id="{B61BEF0D-F0BB-DE4B-95CE-6DB70DBA9567}" type="datetimeFigureOut">
               <a:rPr lang="en-US" dirty="0"/>
               <a:pPr/>
-              <a:t>11/7/2016</a:t>
+              <a:t>11/8/2016</a:t>
             </a:fld>
             <a:endParaRPr lang="en-US" dirty="0"/>
           </a:p>
@@ -1794,7 +1794,7 @@
             <a:fld id="{B61BEF0D-F0BB-DE4B-95CE-6DB70DBA9567}" type="datetimeFigureOut">
               <a:rPr lang="en-US" dirty="0"/>
               <a:pPr/>
-              <a:t>11/7/2016</a:t>
+              <a:t>11/8/2016</a:t>
             </a:fld>
             <a:endParaRPr lang="en-US" dirty="0"/>
           </a:p>
@@ -2353,7 +2353,7 @@
             <a:fld id="{B61BEF0D-F0BB-DE4B-95CE-6DB70DBA9567}" type="datetimeFigureOut">
               <a:rPr lang="en-US" dirty="0"/>
               <a:pPr/>
-              <a:t>11/7/2016</a:t>
+              <a:t>11/8/2016</a:t>
             </a:fld>
             <a:endParaRPr lang="en-US" dirty="0"/>
           </a:p>
@@ -2677,7 +2677,7 @@
             <a:fld id="{B61BEF0D-F0BB-DE4B-95CE-6DB70DBA9567}" type="datetimeFigureOut">
               <a:rPr lang="en-US" dirty="0"/>
               <a:pPr/>
-              <a:t>11/7/2016</a:t>
+              <a:t>11/8/2016</a:t>
             </a:fld>
             <a:endParaRPr lang="en-US" dirty="0"/>
           </a:p>
@@ -2879,7 +2879,7 @@
             <a:fld id="{B61BEF0D-F0BB-DE4B-95CE-6DB70DBA9567}" type="datetimeFigureOut">
               <a:rPr lang="en-US" dirty="0"/>
               <a:pPr/>
-              <a:t>11/7/2016</a:t>
+              <a:t>11/8/2016</a:t>
             </a:fld>
             <a:endParaRPr lang="en-US" dirty="0"/>
           </a:p>
@@ -3086,7 +3086,7 @@
             <a:fld id="{B61BEF0D-F0BB-DE4B-95CE-6DB70DBA9567}" type="datetimeFigureOut">
               <a:rPr lang="en-US" dirty="0"/>
               <a:pPr/>
-              <a:t>11/7/2016</a:t>
+              <a:t>11/8/2016</a:t>
             </a:fld>
             <a:endParaRPr lang="en-US" dirty="0"/>
           </a:p>
@@ -3283,7 +3283,7 @@
             <a:fld id="{B61BEF0D-F0BB-DE4B-95CE-6DB70DBA9567}" type="datetimeFigureOut">
               <a:rPr lang="en-US" dirty="0"/>
               <a:pPr/>
-              <a:t>11/7/2016</a:t>
+              <a:t>11/8/2016</a:t>
             </a:fld>
             <a:endParaRPr lang="en-US" dirty="0"/>
           </a:p>
@@ -3556,7 +3556,7 @@
             <a:fld id="{B61BEF0D-F0BB-DE4B-95CE-6DB70DBA9567}" type="datetimeFigureOut">
               <a:rPr lang="en-US" dirty="0"/>
               <a:pPr/>
-              <a:t>11/7/2016</a:t>
+              <a:t>11/8/2016</a:t>
             </a:fld>
             <a:endParaRPr lang="en-US" dirty="0"/>
           </a:p>
@@ -3819,7 +3819,7 @@
             <a:fld id="{B61BEF0D-F0BB-DE4B-95CE-6DB70DBA9567}" type="datetimeFigureOut">
               <a:rPr lang="en-US" dirty="0"/>
               <a:pPr/>
-              <a:t>11/7/2016</a:t>
+              <a:t>11/8/2016</a:t>
             </a:fld>
             <a:endParaRPr lang="en-US" dirty="0"/>
           </a:p>
@@ -4190,7 +4190,7 @@
             <a:fld id="{B61BEF0D-F0BB-DE4B-95CE-6DB70DBA9567}" type="datetimeFigureOut">
               <a:rPr lang="en-US" dirty="0"/>
               <a:pPr/>
-              <a:t>11/7/2016</a:t>
+              <a:t>11/8/2016</a:t>
             </a:fld>
             <a:endParaRPr lang="en-US" dirty="0"/>
           </a:p>
@@ -4335,7 +4335,7 @@
             <a:fld id="{B61BEF0D-F0BB-DE4B-95CE-6DB70DBA9567}" type="datetimeFigureOut">
               <a:rPr lang="en-US" dirty="0"/>
               <a:pPr/>
-              <a:t>11/7/2016</a:t>
+              <a:t>11/8/2016</a:t>
             </a:fld>
             <a:endParaRPr lang="en-US" dirty="0"/>
           </a:p>
@@ -4457,7 +4457,7 @@
             <a:fld id="{B61BEF0D-F0BB-DE4B-95CE-6DB70DBA9567}" type="datetimeFigureOut">
               <a:rPr lang="en-US" dirty="0"/>
               <a:pPr/>
-              <a:t>11/7/2016</a:t>
+              <a:t>11/8/2016</a:t>
             </a:fld>
             <a:endParaRPr lang="en-US" dirty="0"/>
           </a:p>
@@ -4739,7 +4739,7 @@
             <a:fld id="{B61BEF0D-F0BB-DE4B-95CE-6DB70DBA9567}" type="datetimeFigureOut">
               <a:rPr lang="en-US" dirty="0"/>
               <a:pPr/>
-              <a:t>11/7/2016</a:t>
+              <a:t>11/8/2016</a:t>
             </a:fld>
             <a:endParaRPr lang="en-US" dirty="0"/>
           </a:p>
@@ -5060,7 +5060,7 @@
             <a:fld id="{B61BEF0D-F0BB-DE4B-95CE-6DB70DBA9567}" type="datetimeFigureOut">
               <a:rPr lang="en-US" dirty="0"/>
               <a:pPr/>
-              <a:t>11/7/2016</a:t>
+              <a:t>11/8/2016</a:t>
             </a:fld>
             <a:endParaRPr lang="en-US" dirty="0"/>
           </a:p>
@@ -5271,7 +5271,7 @@
             <a:fld id="{B61BEF0D-F0BB-DE4B-95CE-6DB70DBA9567}" type="datetimeFigureOut">
               <a:rPr lang="en-US" dirty="0"/>
               <a:pPr/>
-              <a:t>11/7/2016</a:t>
+              <a:t>11/8/2016</a:t>
             </a:fld>
             <a:endParaRPr lang="en-US" dirty="0"/>
           </a:p>
@@ -6147,35 +6147,23 @@
           <a:p>
             <a:r>
               <a:rPr lang="fr-BE" dirty="0"/>
-              <a:t>Réalisation d’une librairie dll intégrant les fonctionnalités </a:t>
+              <a:t>Réalisation d’une </a:t>
             </a:r>
             <a:r>
               <a:rPr lang="fr-BE" dirty="0" smtClean="0"/>
-              <a:t>de la cartographie</a:t>
+              <a:t>librairie </a:t>
+            </a:r>
+            <a:r>
+              <a:rPr lang="fr-BE" dirty="0"/>
+              <a:t>intégrant les fonctionnalités </a:t>
             </a:r>
             <a:r>
               <a:rPr lang="fr-BE" dirty="0" smtClean="0"/>
-              <a:t>.</a:t>
-            </a:r>
+              <a:t>de la cartographie.</a:t>
+            </a:r>
+          </a:p>
+          <a:p>
             <a:endParaRPr lang="fr-BE" dirty="0" smtClean="0"/>
-          </a:p>
-          <a:p>
-            <a:r>
-              <a:rPr lang="fr-BE" dirty="0" err="1" smtClean="0"/>
-              <a:t>Screenshot</a:t>
-            </a:r>
-            <a:r>
-              <a:rPr lang="fr-BE" dirty="0" smtClean="0"/>
-              <a:t> de l’appli ( voir dossier </a:t>
-            </a:r>
-            <a:r>
-              <a:rPr lang="fr-BE" dirty="0" err="1" smtClean="0"/>
-              <a:t>github</a:t>
-            </a:r>
-            <a:r>
-              <a:rPr lang="fr-BE" dirty="0" smtClean="0"/>
-              <a:t>)</a:t>
-            </a:r>
           </a:p>
           <a:p>
             <a:endParaRPr lang="fr-BE" dirty="0"/>
@@ -6868,6 +6856,36 @@
           </a:extLst>
         </p:spPr>
       </p:pic>
+      <p:sp>
+        <p:nvSpPr>
+          <p:cNvPr id="9" name="ZoneTexte 8"/>
+          <p:cNvSpPr txBox="1"/>
+          <p:nvPr/>
+        </p:nvSpPr>
+        <p:spPr>
+          <a:xfrm>
+            <a:off x="1922105" y="4732566"/>
+            <a:ext cx="1455078" cy="369332"/>
+          </a:xfrm>
+          <a:prstGeom prst="rect">
+            <a:avLst/>
+          </a:prstGeom>
+          <a:noFill/>
+        </p:spPr>
+        <p:txBody>
+          <a:bodyPr wrap="none" rtlCol="0">
+            <a:spAutoFit/>
+          </a:bodyPr>
+          <a:lstStyle/>
+          <a:p>
+            <a:r>
+              <a:rPr lang="fr-BE" dirty="0" smtClean="0"/>
+              <a:t>LANGAE JAVA</a:t>
+            </a:r>
+            <a:endParaRPr lang="fr-BE" dirty="0"/>
+          </a:p>
+        </p:txBody>
+      </p:sp>
     </p:spTree>
     <p:extLst>
       <p:ext uri="{BB962C8B-B14F-4D97-AF65-F5344CB8AC3E}">
@@ -7278,7 +7296,7 @@
   <a:extraClrSchemeLst/>
   <a:extLst>
     <a:ext uri="{05A4C25C-085E-4340-85A3-A5531E510DB2}">
-      <thm15:themeFamily xmlns:thm15="http://schemas.microsoft.com/office/thememl/2012/main" xmlns="" name="Celestial" id="{C4BB2A3D-0E93-4C5F-B0D2-9D3FCE089CC5}" vid="{E44E6A2F-09CD-4BE0-B42D-107FF03CEED6}"/>
+      <thm15:themeFamily xmlns="" xmlns:thm15="http://schemas.microsoft.com/office/thememl/2012/main" name="Celestial" id="{C4BB2A3D-0E93-4C5F-B0D2-9D3FCE089CC5}" vid="{E44E6A2F-09CD-4BE0-B42D-107FF03CEED6}"/>
     </a:ext>
   </a:extLst>
 </a:theme>

--- a/PWP Presentation 1/Présentation7.pptx
+++ b/PWP Presentation 1/Présentation7.pptx
@@ -8,10 +8,9 @@
     <p:sldId id="256" r:id="rId2"/>
     <p:sldId id="258" r:id="rId3"/>
     <p:sldId id="259" r:id="rId4"/>
-    <p:sldId id="263" r:id="rId5"/>
-    <p:sldId id="260" r:id="rId6"/>
-    <p:sldId id="261" r:id="rId7"/>
-    <p:sldId id="262" r:id="rId8"/>
+    <p:sldId id="260" r:id="rId5"/>
+    <p:sldId id="261" r:id="rId6"/>
+    <p:sldId id="262" r:id="rId7"/>
   </p:sldIdLst>
   <p:sldSz cx="12192000" cy="6858000"/>
   <p:notesSz cx="6858000" cy="9144000"/>
@@ -112,7 +111,18 @@
   </p:defaultTextStyle>
   <p:extLst>
     <p:ext uri="{EFAFB233-063F-42B5-8137-9DF3F51BA10A}">
-      <p15:sldGuideLst xmlns="" xmlns:p15="http://schemas.microsoft.com/office/powerpoint/2012/main"/>
+      <p15:sldGuideLst xmlns:p15="http://schemas.microsoft.com/office/powerpoint/2012/main">
+        <p15:guide id="1" orient="horz" pos="2160">
+          <p15:clr>
+            <a:srgbClr val="A4A3A4"/>
+          </p15:clr>
+        </p15:guide>
+        <p15:guide id="2" pos="3840">
+          <p15:clr>
+            <a:srgbClr val="A4A3A4"/>
+          </p15:clr>
+        </p15:guide>
+      </p15:sldGuideLst>
     </p:ext>
   </p:extLst>
 </p:presentation>
@@ -348,7 +358,7 @@
             <a:fld id="{B61BEF0D-F0BB-DE4B-95CE-6DB70DBA9567}" type="datetimeFigureOut">
               <a:rPr lang="en-US" dirty="0"/>
               <a:pPr/>
-              <a:t>11/8/2016</a:t>
+              <a:t>11/9/2016</a:t>
             </a:fld>
             <a:endParaRPr lang="en-US" dirty="0"/>
           </a:p>
@@ -679,7 +689,7 @@
             <a:fld id="{B61BEF0D-F0BB-DE4B-95CE-6DB70DBA9567}" type="datetimeFigureOut">
               <a:rPr lang="en-US" dirty="0"/>
               <a:pPr/>
-              <a:t>11/8/2016</a:t>
+              <a:t>11/9/2016</a:t>
             </a:fld>
             <a:endParaRPr lang="en-US" dirty="0"/>
           </a:p>
@@ -954,7 +964,7 @@
             <a:fld id="{B61BEF0D-F0BB-DE4B-95CE-6DB70DBA9567}" type="datetimeFigureOut">
               <a:rPr lang="en-US" dirty="0"/>
               <a:pPr/>
-              <a:t>11/8/2016</a:t>
+              <a:t>11/9/2016</a:t>
             </a:fld>
             <a:endParaRPr lang="en-US" dirty="0"/>
           </a:p>
@@ -1519,7 +1529,7 @@
             <a:fld id="{B61BEF0D-F0BB-DE4B-95CE-6DB70DBA9567}" type="datetimeFigureOut">
               <a:rPr lang="en-US" dirty="0"/>
               <a:pPr/>
-              <a:t>11/8/2016</a:t>
+              <a:t>11/9/2016</a:t>
             </a:fld>
             <a:endParaRPr lang="en-US" dirty="0"/>
           </a:p>
@@ -1794,7 +1804,7 @@
             <a:fld id="{B61BEF0D-F0BB-DE4B-95CE-6DB70DBA9567}" type="datetimeFigureOut">
               <a:rPr lang="en-US" dirty="0"/>
               <a:pPr/>
-              <a:t>11/8/2016</a:t>
+              <a:t>11/9/2016</a:t>
             </a:fld>
             <a:endParaRPr lang="en-US" dirty="0"/>
           </a:p>
@@ -2353,7 +2363,7 @@
             <a:fld id="{B61BEF0D-F0BB-DE4B-95CE-6DB70DBA9567}" type="datetimeFigureOut">
               <a:rPr lang="en-US" dirty="0"/>
               <a:pPr/>
-              <a:t>11/8/2016</a:t>
+              <a:t>11/9/2016</a:t>
             </a:fld>
             <a:endParaRPr lang="en-US" dirty="0"/>
           </a:p>
@@ -2677,7 +2687,7 @@
             <a:fld id="{B61BEF0D-F0BB-DE4B-95CE-6DB70DBA9567}" type="datetimeFigureOut">
               <a:rPr lang="en-US" dirty="0"/>
               <a:pPr/>
-              <a:t>11/8/2016</a:t>
+              <a:t>11/9/2016</a:t>
             </a:fld>
             <a:endParaRPr lang="en-US" dirty="0"/>
           </a:p>
@@ -2879,7 +2889,7 @@
             <a:fld id="{B61BEF0D-F0BB-DE4B-95CE-6DB70DBA9567}" type="datetimeFigureOut">
               <a:rPr lang="en-US" dirty="0"/>
               <a:pPr/>
-              <a:t>11/8/2016</a:t>
+              <a:t>11/9/2016</a:t>
             </a:fld>
             <a:endParaRPr lang="en-US" dirty="0"/>
           </a:p>
@@ -3086,7 +3096,7 @@
             <a:fld id="{B61BEF0D-F0BB-DE4B-95CE-6DB70DBA9567}" type="datetimeFigureOut">
               <a:rPr lang="en-US" dirty="0"/>
               <a:pPr/>
-              <a:t>11/8/2016</a:t>
+              <a:t>11/9/2016</a:t>
             </a:fld>
             <a:endParaRPr lang="en-US" dirty="0"/>
           </a:p>
@@ -3283,7 +3293,7 @@
             <a:fld id="{B61BEF0D-F0BB-DE4B-95CE-6DB70DBA9567}" type="datetimeFigureOut">
               <a:rPr lang="en-US" dirty="0"/>
               <a:pPr/>
-              <a:t>11/8/2016</a:t>
+              <a:t>11/9/2016</a:t>
             </a:fld>
             <a:endParaRPr lang="en-US" dirty="0"/>
           </a:p>
@@ -3556,7 +3566,7 @@
             <a:fld id="{B61BEF0D-F0BB-DE4B-95CE-6DB70DBA9567}" type="datetimeFigureOut">
               <a:rPr lang="en-US" dirty="0"/>
               <a:pPr/>
-              <a:t>11/8/2016</a:t>
+              <a:t>11/9/2016</a:t>
             </a:fld>
             <a:endParaRPr lang="en-US" dirty="0"/>
           </a:p>
@@ -3819,7 +3829,7 @@
             <a:fld id="{B61BEF0D-F0BB-DE4B-95CE-6DB70DBA9567}" type="datetimeFigureOut">
               <a:rPr lang="en-US" dirty="0"/>
               <a:pPr/>
-              <a:t>11/8/2016</a:t>
+              <a:t>11/9/2016</a:t>
             </a:fld>
             <a:endParaRPr lang="en-US" dirty="0"/>
           </a:p>
@@ -4190,7 +4200,7 @@
             <a:fld id="{B61BEF0D-F0BB-DE4B-95CE-6DB70DBA9567}" type="datetimeFigureOut">
               <a:rPr lang="en-US" dirty="0"/>
               <a:pPr/>
-              <a:t>11/8/2016</a:t>
+              <a:t>11/9/2016</a:t>
             </a:fld>
             <a:endParaRPr lang="en-US" dirty="0"/>
           </a:p>
@@ -4335,7 +4345,7 @@
             <a:fld id="{B61BEF0D-F0BB-DE4B-95CE-6DB70DBA9567}" type="datetimeFigureOut">
               <a:rPr lang="en-US" dirty="0"/>
               <a:pPr/>
-              <a:t>11/8/2016</a:t>
+              <a:t>11/9/2016</a:t>
             </a:fld>
             <a:endParaRPr lang="en-US" dirty="0"/>
           </a:p>
@@ -4457,7 +4467,7 @@
             <a:fld id="{B61BEF0D-F0BB-DE4B-95CE-6DB70DBA9567}" type="datetimeFigureOut">
               <a:rPr lang="en-US" dirty="0"/>
               <a:pPr/>
-              <a:t>11/8/2016</a:t>
+              <a:t>11/9/2016</a:t>
             </a:fld>
             <a:endParaRPr lang="en-US" dirty="0"/>
           </a:p>
@@ -4739,7 +4749,7 @@
             <a:fld id="{B61BEF0D-F0BB-DE4B-95CE-6DB70DBA9567}" type="datetimeFigureOut">
               <a:rPr lang="en-US" dirty="0"/>
               <a:pPr/>
-              <a:t>11/8/2016</a:t>
+              <a:t>11/9/2016</a:t>
             </a:fld>
             <a:endParaRPr lang="en-US" dirty="0"/>
           </a:p>
@@ -5060,7 +5070,7 @@
             <a:fld id="{B61BEF0D-F0BB-DE4B-95CE-6DB70DBA9567}" type="datetimeFigureOut">
               <a:rPr lang="en-US" dirty="0"/>
               <a:pPr/>
-              <a:t>11/8/2016</a:t>
+              <a:t>11/9/2016</a:t>
             </a:fld>
             <a:endParaRPr lang="en-US" dirty="0"/>
           </a:p>
@@ -5271,7 +5281,7 @@
             <a:fld id="{B61BEF0D-F0BB-DE4B-95CE-6DB70DBA9567}" type="datetimeFigureOut">
               <a:rPr lang="en-US" dirty="0"/>
               <a:pPr/>
-              <a:t>11/8/2016</a:t>
+              <a:t>11/9/2016</a:t>
             </a:fld>
             <a:endParaRPr lang="en-US" dirty="0"/>
           </a:p>
@@ -5802,7 +5812,7 @@
         </p:blipFill>
         <p:spPr>
           <a:xfrm>
-            <a:off x="5149911" y="1582138"/>
+            <a:off x="232679" y="1152930"/>
             <a:ext cx="1334278" cy="1324945"/>
           </a:xfrm>
           <a:prstGeom prst="rect">
@@ -5818,7 +5828,7 @@
         </p:nvSpPr>
         <p:spPr>
           <a:xfrm>
-            <a:off x="4395027" y="2907083"/>
+            <a:off x="6998268" y="3718846"/>
             <a:ext cx="2844047" cy="1569660"/>
           </a:xfrm>
           <a:prstGeom prst="rect">
@@ -6109,7 +6119,7 @@
         </p:nvSpPr>
         <p:spPr>
           <a:xfrm>
-            <a:off x="685800" y="311021"/>
+            <a:off x="685800" y="166961"/>
             <a:ext cx="10131425" cy="1456267"/>
           </a:xfrm>
         </p:spPr>
@@ -6140,28 +6150,17 @@
             <p:ph idx="1"/>
           </p:nvPr>
         </p:nvSpPr>
-        <p:spPr/>
-        <p:txBody>
-          <a:bodyPr/>
-          <a:lstStyle/>
-          <a:p>
-            <a:r>
-              <a:rPr lang="fr-BE" dirty="0"/>
-              <a:t>Réalisation d’une </a:t>
-            </a:r>
-            <a:r>
-              <a:rPr lang="fr-BE" dirty="0" smtClean="0"/>
-              <a:t>librairie </a:t>
-            </a:r>
-            <a:r>
-              <a:rPr lang="fr-BE" dirty="0"/>
-              <a:t>intégrant les fonctionnalités </a:t>
-            </a:r>
-            <a:r>
-              <a:rPr lang="fr-BE" dirty="0" smtClean="0"/>
-              <a:t>de la cartographie.</a:t>
-            </a:r>
-          </a:p>
+        <p:spPr>
+          <a:xfrm>
+            <a:off x="564501" y="1908802"/>
+            <a:ext cx="10131425" cy="4044129"/>
+          </a:xfrm>
+        </p:spPr>
+        <p:txBody>
+          <a:bodyPr>
+            <a:normAutofit/>
+          </a:bodyPr>
+          <a:lstStyle/>
           <a:p>
             <a:endParaRPr lang="fr-BE" dirty="0" smtClean="0"/>
           </a:p>
@@ -6203,6 +6202,58 @@
           </a:prstGeom>
         </p:spPr>
       </p:pic>
+      <p:pic>
+        <p:nvPicPr>
+          <p:cNvPr id="9" name="Image 8"/>
+          <p:cNvPicPr>
+            <a:picLocks noChangeAspect="1"/>
+          </p:cNvPicPr>
+          <p:nvPr/>
+        </p:nvPicPr>
+        <p:blipFill>
+          <a:blip r:embed="rId3"/>
+          <a:stretch>
+            <a:fillRect/>
+          </a:stretch>
+        </p:blipFill>
+        <p:spPr>
+          <a:xfrm>
+            <a:off x="4095766" y="1623228"/>
+            <a:ext cx="3311492" cy="3953342"/>
+          </a:xfrm>
+          <a:prstGeom prst="rect">
+            <a:avLst/>
+          </a:prstGeom>
+        </p:spPr>
+      </p:pic>
+      <p:sp>
+        <p:nvSpPr>
+          <p:cNvPr id="10" name="Rectangle 9"/>
+          <p:cNvSpPr/>
+          <p:nvPr/>
+        </p:nvSpPr>
+        <p:spPr>
+          <a:xfrm>
+            <a:off x="2020078" y="5952931"/>
+            <a:ext cx="8598159" cy="369332"/>
+          </a:xfrm>
+          <a:prstGeom prst="rect">
+            <a:avLst/>
+          </a:prstGeom>
+        </p:spPr>
+        <p:txBody>
+          <a:bodyPr wrap="square">
+            <a:spAutoFit/>
+          </a:bodyPr>
+          <a:lstStyle/>
+          <a:p>
+            <a:r>
+              <a:rPr lang="fr-BE" dirty="0"/>
+              <a:t>Réalisation d’une librairie intégrant les fonctionnalités de la cartographie.</a:t>
+            </a:r>
+          </a:p>
+        </p:txBody>
+      </p:sp>
     </p:spTree>
     <p:extLst>
       <p:ext uri="{BB962C8B-B14F-4D97-AF65-F5344CB8AC3E}">
@@ -6250,38 +6301,256 @@
             <p:ph type="title"/>
           </p:nvPr>
         </p:nvSpPr>
-        <p:spPr/>
-        <p:txBody>
-          <a:bodyPr/>
-          <a:lstStyle/>
-          <a:p>
-            <a:endParaRPr lang="fr-BE"/>
-          </a:p>
-        </p:txBody>
-      </p:sp>
-      <p:sp>
-        <p:nvSpPr>
-          <p:cNvPr id="3" name="Espace réservé du contenu 2"/>
-          <p:cNvSpPr>
-            <a:spLocks noGrp="1"/>
-          </p:cNvSpPr>
-          <p:nvPr>
-            <p:ph idx="1"/>
-          </p:nvPr>
-        </p:nvSpPr>
-        <p:spPr/>
-        <p:txBody>
-          <a:bodyPr/>
-          <a:lstStyle/>
-          <a:p>
-            <a:endParaRPr lang="fr-BE"/>
+        <p:spPr>
+          <a:xfrm>
+            <a:off x="685801" y="313702"/>
+            <a:ext cx="10131425" cy="1456267"/>
+          </a:xfrm>
+        </p:spPr>
+        <p:txBody>
+          <a:bodyPr>
+            <a:normAutofit/>
+          </a:bodyPr>
+          <a:lstStyle/>
+          <a:p>
+            <a:pPr algn="ctr"/>
+            <a:r>
+              <a:rPr lang="fr-BE" sz="4000" dirty="0" smtClean="0">
+                <a:latin typeface="High Tower Text" panose="02040502050506030303" pitchFamily="18" charset="0"/>
+              </a:rPr>
+              <a:t>Fonctionnalités</a:t>
+            </a:r>
+            <a:endParaRPr lang="fr-BE" sz="4000" dirty="0">
+              <a:latin typeface="High Tower Text" panose="02040502050506030303" pitchFamily="18" charset="0"/>
+            </a:endParaRPr>
+          </a:p>
+        </p:txBody>
+      </p:sp>
+      <p:pic>
+        <p:nvPicPr>
+          <p:cNvPr id="4" name="Image 3"/>
+          <p:cNvPicPr>
+            <a:picLocks noChangeAspect="1"/>
+          </p:cNvPicPr>
+          <p:nvPr/>
+        </p:nvPicPr>
+        <p:blipFill>
+          <a:blip r:embed="rId2">
+            <a:extLst>
+              <a:ext uri="{28A0092B-C50C-407E-A947-70E740481C1C}">
+                <a14:useLocalDpi xmlns:a14="http://schemas.microsoft.com/office/drawing/2010/main" val="0"/>
+              </a:ext>
+            </a:extLst>
+          </a:blip>
+          <a:stretch>
+            <a:fillRect/>
+          </a:stretch>
+        </p:blipFill>
+        <p:spPr>
+          <a:xfrm>
+            <a:off x="10857722" y="4254760"/>
+            <a:ext cx="1334278" cy="1324945"/>
+          </a:xfrm>
+          <a:prstGeom prst="rect">
+            <a:avLst/>
+          </a:prstGeom>
+        </p:spPr>
+      </p:pic>
+      <p:pic>
+        <p:nvPicPr>
+          <p:cNvPr id="2052" name="Picture 4" descr="https://cdn3.iconfinder.com/data/icons/purchases-and-sales/512/lupa.png"/>
+          <p:cNvPicPr>
+            <a:picLocks noChangeAspect="1" noChangeArrowheads="1"/>
+          </p:cNvPicPr>
+          <p:nvPr/>
+        </p:nvPicPr>
+        <p:blipFill>
+          <a:blip r:embed="rId3">
+            <a:extLst>
+              <a:ext uri="{28A0092B-C50C-407E-A947-70E740481C1C}">
+                <a14:useLocalDpi xmlns:a14="http://schemas.microsoft.com/office/drawing/2010/main" val="0"/>
+              </a:ext>
+            </a:extLst>
+          </a:blip>
+          <a:srcRect/>
+          <a:stretch>
+            <a:fillRect/>
+          </a:stretch>
+        </p:blipFill>
+        <p:spPr bwMode="auto">
+          <a:xfrm>
+            <a:off x="685801" y="3112304"/>
+            <a:ext cx="900000" cy="900000"/>
+          </a:xfrm>
+          <a:prstGeom prst="rect">
+            <a:avLst/>
+          </a:prstGeom>
+          <a:noFill/>
+          <a:extLst>
+            <a:ext uri="{909E8E84-426E-40DD-AFC4-6F175D3DCCD1}">
+              <a14:hiddenFill xmlns:a14="http://schemas.microsoft.com/office/drawing/2010/main">
+                <a:solidFill>
+                  <a:srgbClr val="FFFFFF"/>
+                </a:solidFill>
+              </a14:hiddenFill>
+            </a:ext>
+          </a:extLst>
+        </p:spPr>
+      </p:pic>
+      <p:pic>
+        <p:nvPicPr>
+          <p:cNvPr id="7" name="Image 6"/>
+          <p:cNvPicPr>
+            <a:picLocks noChangeAspect="1"/>
+          </p:cNvPicPr>
+          <p:nvPr/>
+        </p:nvPicPr>
+        <p:blipFill>
+          <a:blip r:embed="rId4">
+            <a:extLst>
+              <a:ext uri="{28A0092B-C50C-407E-A947-70E740481C1C}">
+                <a14:useLocalDpi xmlns:a14="http://schemas.microsoft.com/office/drawing/2010/main" val="0"/>
+              </a:ext>
+            </a:extLst>
+          </a:blip>
+          <a:stretch>
+            <a:fillRect/>
+          </a:stretch>
+        </p:blipFill>
+        <p:spPr>
+          <a:xfrm>
+            <a:off x="369155" y="1678795"/>
+            <a:ext cx="1533292" cy="1533292"/>
+          </a:xfrm>
+          <a:prstGeom prst="rect">
+            <a:avLst/>
+          </a:prstGeom>
+        </p:spPr>
+      </p:pic>
+      <p:pic>
+        <p:nvPicPr>
+          <p:cNvPr id="8" name="Image 7"/>
+          <p:cNvPicPr>
+            <a:picLocks noChangeAspect="1"/>
+          </p:cNvPicPr>
+          <p:nvPr/>
+        </p:nvPicPr>
+        <p:blipFill>
+          <a:blip r:embed="rId5">
+            <a:extLst>
+              <a:ext uri="{28A0092B-C50C-407E-A947-70E740481C1C}">
+                <a14:useLocalDpi xmlns:a14="http://schemas.microsoft.com/office/drawing/2010/main" val="0"/>
+              </a:ext>
+            </a:extLst>
+          </a:blip>
+          <a:stretch>
+            <a:fillRect/>
+          </a:stretch>
+        </p:blipFill>
+        <p:spPr>
+          <a:xfrm>
+            <a:off x="685801" y="4258524"/>
+            <a:ext cx="900000" cy="900000"/>
+          </a:xfrm>
+          <a:prstGeom prst="rect">
+            <a:avLst/>
+          </a:prstGeom>
+        </p:spPr>
+      </p:pic>
+      <p:sp>
+        <p:nvSpPr>
+          <p:cNvPr id="9" name="ZoneTexte 8"/>
+          <p:cNvSpPr txBox="1"/>
+          <p:nvPr/>
+        </p:nvSpPr>
+        <p:spPr>
+          <a:xfrm>
+            <a:off x="1958202" y="2231418"/>
+            <a:ext cx="1216295" cy="369332"/>
+          </a:xfrm>
+          <a:prstGeom prst="rect">
+            <a:avLst/>
+          </a:prstGeom>
+          <a:noFill/>
+        </p:spPr>
+        <p:txBody>
+          <a:bodyPr wrap="none" rtlCol="0">
+            <a:spAutoFit/>
+          </a:bodyPr>
+          <a:lstStyle/>
+          <a:p>
+            <a:r>
+              <a:rPr lang="fr-BE" dirty="0" smtClean="0"/>
+              <a:t>Marqueurs</a:t>
+            </a:r>
+            <a:endParaRPr lang="fr-BE" dirty="0"/>
+          </a:p>
+        </p:txBody>
+      </p:sp>
+      <p:sp>
+        <p:nvSpPr>
+          <p:cNvPr id="13" name="ZoneTexte 12"/>
+          <p:cNvSpPr txBox="1"/>
+          <p:nvPr/>
+        </p:nvSpPr>
+        <p:spPr>
+          <a:xfrm>
+            <a:off x="1958202" y="3377638"/>
+            <a:ext cx="716799" cy="369332"/>
+          </a:xfrm>
+          <a:prstGeom prst="rect">
+            <a:avLst/>
+          </a:prstGeom>
+          <a:noFill/>
+        </p:spPr>
+        <p:txBody>
+          <a:bodyPr wrap="none" rtlCol="0">
+            <a:spAutoFit/>
+          </a:bodyPr>
+          <a:lstStyle/>
+          <a:p>
+            <a:r>
+              <a:rPr lang="fr-BE" dirty="0" smtClean="0"/>
+              <a:t>Zoom</a:t>
+            </a:r>
+            <a:endParaRPr lang="fr-BE" dirty="0"/>
+          </a:p>
+        </p:txBody>
+      </p:sp>
+      <p:sp>
+        <p:nvSpPr>
+          <p:cNvPr id="14" name="ZoneTexte 13"/>
+          <p:cNvSpPr txBox="1"/>
+          <p:nvPr/>
+        </p:nvSpPr>
+        <p:spPr>
+          <a:xfrm>
+            <a:off x="1902447" y="4669867"/>
+            <a:ext cx="1040926" cy="369332"/>
+          </a:xfrm>
+          <a:prstGeom prst="rect">
+            <a:avLst/>
+          </a:prstGeom>
+          <a:noFill/>
+        </p:spPr>
+        <p:txBody>
+          <a:bodyPr wrap="none" rtlCol="0">
+            <a:spAutoFit/>
+          </a:bodyPr>
+          <a:lstStyle/>
+          <a:p>
+            <a:r>
+              <a:rPr lang="fr-BE" dirty="0" smtClean="0"/>
+              <a:t>Itinéraire</a:t>
+            </a:r>
+            <a:endParaRPr lang="fr-BE" dirty="0"/>
           </a:p>
         </p:txBody>
       </p:sp>
     </p:spTree>
     <p:extLst>
       <p:ext uri="{BB962C8B-B14F-4D97-AF65-F5344CB8AC3E}">
-        <p14:creationId xmlns:p14="http://schemas.microsoft.com/office/powerpoint/2010/main" val="2232567246"/>
+        <p14:creationId xmlns:p14="http://schemas.microsoft.com/office/powerpoint/2010/main" val="1393964472"/>
       </p:ext>
     </p:extLst>
   </p:cSld>
@@ -6327,299 +6596,6 @@
         </p:nvSpPr>
         <p:spPr>
           <a:xfrm>
-            <a:off x="685801" y="313702"/>
-            <a:ext cx="10131425" cy="1456267"/>
-          </a:xfrm>
-        </p:spPr>
-        <p:txBody>
-          <a:bodyPr>
-            <a:normAutofit/>
-          </a:bodyPr>
-          <a:lstStyle/>
-          <a:p>
-            <a:pPr algn="ctr"/>
-            <a:r>
-              <a:rPr lang="fr-BE" sz="4000" dirty="0" smtClean="0">
-                <a:latin typeface="High Tower Text" panose="02040502050506030303" pitchFamily="18" charset="0"/>
-              </a:rPr>
-              <a:t>Fonctionnalités</a:t>
-            </a:r>
-            <a:endParaRPr lang="fr-BE" sz="4000" dirty="0">
-              <a:latin typeface="High Tower Text" panose="02040502050506030303" pitchFamily="18" charset="0"/>
-            </a:endParaRPr>
-          </a:p>
-        </p:txBody>
-      </p:sp>
-      <p:pic>
-        <p:nvPicPr>
-          <p:cNvPr id="4" name="Image 3"/>
-          <p:cNvPicPr>
-            <a:picLocks noChangeAspect="1"/>
-          </p:cNvPicPr>
-          <p:nvPr/>
-        </p:nvPicPr>
-        <p:blipFill>
-          <a:blip r:embed="rId2">
-            <a:extLst>
-              <a:ext uri="{28A0092B-C50C-407E-A947-70E740481C1C}">
-                <a14:useLocalDpi xmlns:a14="http://schemas.microsoft.com/office/drawing/2010/main" val="0"/>
-              </a:ext>
-            </a:extLst>
-          </a:blip>
-          <a:stretch>
-            <a:fillRect/>
-          </a:stretch>
-        </p:blipFill>
-        <p:spPr>
-          <a:xfrm>
-            <a:off x="10857722" y="4254760"/>
-            <a:ext cx="1334278" cy="1324945"/>
-          </a:xfrm>
-          <a:prstGeom prst="rect">
-            <a:avLst/>
-          </a:prstGeom>
-        </p:spPr>
-      </p:pic>
-      <p:pic>
-        <p:nvPicPr>
-          <p:cNvPr id="2052" name="Picture 4" descr="https://cdn3.iconfinder.com/data/icons/purchases-and-sales/512/lupa.png"/>
-          <p:cNvPicPr>
-            <a:picLocks noChangeAspect="1" noChangeArrowheads="1"/>
-          </p:cNvPicPr>
-          <p:nvPr/>
-        </p:nvPicPr>
-        <p:blipFill>
-          <a:blip r:embed="rId3">
-            <a:extLst>
-              <a:ext uri="{28A0092B-C50C-407E-A947-70E740481C1C}">
-                <a14:useLocalDpi xmlns:a14="http://schemas.microsoft.com/office/drawing/2010/main" val="0"/>
-              </a:ext>
-            </a:extLst>
-          </a:blip>
-          <a:srcRect/>
-          <a:stretch>
-            <a:fillRect/>
-          </a:stretch>
-        </p:blipFill>
-        <p:spPr bwMode="auto">
-          <a:xfrm>
-            <a:off x="685801" y="3112304"/>
-            <a:ext cx="900000" cy="900000"/>
-          </a:xfrm>
-          <a:prstGeom prst="rect">
-            <a:avLst/>
-          </a:prstGeom>
-          <a:noFill/>
-          <a:extLst>
-            <a:ext uri="{909E8E84-426E-40DD-AFC4-6F175D3DCCD1}">
-              <a14:hiddenFill xmlns:a14="http://schemas.microsoft.com/office/drawing/2010/main">
-                <a:solidFill>
-                  <a:srgbClr val="FFFFFF"/>
-                </a:solidFill>
-              </a14:hiddenFill>
-            </a:ext>
-          </a:extLst>
-        </p:spPr>
-      </p:pic>
-      <p:pic>
-        <p:nvPicPr>
-          <p:cNvPr id="7" name="Image 6"/>
-          <p:cNvPicPr>
-            <a:picLocks noChangeAspect="1"/>
-          </p:cNvPicPr>
-          <p:nvPr/>
-        </p:nvPicPr>
-        <p:blipFill>
-          <a:blip r:embed="rId4">
-            <a:extLst>
-              <a:ext uri="{28A0092B-C50C-407E-A947-70E740481C1C}">
-                <a14:useLocalDpi xmlns:a14="http://schemas.microsoft.com/office/drawing/2010/main" val="0"/>
-              </a:ext>
-            </a:extLst>
-          </a:blip>
-          <a:stretch>
-            <a:fillRect/>
-          </a:stretch>
-        </p:blipFill>
-        <p:spPr>
-          <a:xfrm>
-            <a:off x="369155" y="1678795"/>
-            <a:ext cx="1533292" cy="1533292"/>
-          </a:xfrm>
-          <a:prstGeom prst="rect">
-            <a:avLst/>
-          </a:prstGeom>
-        </p:spPr>
-      </p:pic>
-      <p:pic>
-        <p:nvPicPr>
-          <p:cNvPr id="8" name="Image 7"/>
-          <p:cNvPicPr>
-            <a:picLocks noChangeAspect="1"/>
-          </p:cNvPicPr>
-          <p:nvPr/>
-        </p:nvPicPr>
-        <p:blipFill>
-          <a:blip r:embed="rId5">
-            <a:extLst>
-              <a:ext uri="{28A0092B-C50C-407E-A947-70E740481C1C}">
-                <a14:useLocalDpi xmlns:a14="http://schemas.microsoft.com/office/drawing/2010/main" val="0"/>
-              </a:ext>
-            </a:extLst>
-          </a:blip>
-          <a:stretch>
-            <a:fillRect/>
-          </a:stretch>
-        </p:blipFill>
-        <p:spPr>
-          <a:xfrm>
-            <a:off x="685801" y="4258524"/>
-            <a:ext cx="900000" cy="900000"/>
-          </a:xfrm>
-          <a:prstGeom prst="rect">
-            <a:avLst/>
-          </a:prstGeom>
-        </p:spPr>
-      </p:pic>
-      <p:sp>
-        <p:nvSpPr>
-          <p:cNvPr id="9" name="ZoneTexte 8"/>
-          <p:cNvSpPr txBox="1"/>
-          <p:nvPr/>
-        </p:nvSpPr>
-        <p:spPr>
-          <a:xfrm>
-            <a:off x="1958202" y="2231418"/>
-            <a:ext cx="1216295" cy="369332"/>
-          </a:xfrm>
-          <a:prstGeom prst="rect">
-            <a:avLst/>
-          </a:prstGeom>
-          <a:noFill/>
-        </p:spPr>
-        <p:txBody>
-          <a:bodyPr wrap="none" rtlCol="0">
-            <a:spAutoFit/>
-          </a:bodyPr>
-          <a:lstStyle/>
-          <a:p>
-            <a:r>
-              <a:rPr lang="fr-BE" dirty="0" smtClean="0"/>
-              <a:t>Marqueurs</a:t>
-            </a:r>
-            <a:endParaRPr lang="fr-BE" dirty="0"/>
-          </a:p>
-        </p:txBody>
-      </p:sp>
-      <p:sp>
-        <p:nvSpPr>
-          <p:cNvPr id="13" name="ZoneTexte 12"/>
-          <p:cNvSpPr txBox="1"/>
-          <p:nvPr/>
-        </p:nvSpPr>
-        <p:spPr>
-          <a:xfrm>
-            <a:off x="1958202" y="3377638"/>
-            <a:ext cx="716799" cy="369332"/>
-          </a:xfrm>
-          <a:prstGeom prst="rect">
-            <a:avLst/>
-          </a:prstGeom>
-          <a:noFill/>
-        </p:spPr>
-        <p:txBody>
-          <a:bodyPr wrap="none" rtlCol="0">
-            <a:spAutoFit/>
-          </a:bodyPr>
-          <a:lstStyle/>
-          <a:p>
-            <a:r>
-              <a:rPr lang="fr-BE" dirty="0" smtClean="0"/>
-              <a:t>Zoom</a:t>
-            </a:r>
-            <a:endParaRPr lang="fr-BE" dirty="0"/>
-          </a:p>
-        </p:txBody>
-      </p:sp>
-      <p:sp>
-        <p:nvSpPr>
-          <p:cNvPr id="14" name="ZoneTexte 13"/>
-          <p:cNvSpPr txBox="1"/>
-          <p:nvPr/>
-        </p:nvSpPr>
-        <p:spPr>
-          <a:xfrm>
-            <a:off x="1902447" y="4669867"/>
-            <a:ext cx="1040926" cy="369332"/>
-          </a:xfrm>
-          <a:prstGeom prst="rect">
-            <a:avLst/>
-          </a:prstGeom>
-          <a:noFill/>
-        </p:spPr>
-        <p:txBody>
-          <a:bodyPr wrap="none" rtlCol="0">
-            <a:spAutoFit/>
-          </a:bodyPr>
-          <a:lstStyle/>
-          <a:p>
-            <a:r>
-              <a:rPr lang="fr-BE" dirty="0" smtClean="0"/>
-              <a:t>Itinéraire</a:t>
-            </a:r>
-            <a:endParaRPr lang="fr-BE" dirty="0"/>
-          </a:p>
-        </p:txBody>
-      </p:sp>
-    </p:spTree>
-    <p:extLst>
-      <p:ext uri="{BB962C8B-B14F-4D97-AF65-F5344CB8AC3E}">
-        <p14:creationId xmlns:p14="http://schemas.microsoft.com/office/powerpoint/2010/main" val="1393964472"/>
-      </p:ext>
-    </p:extLst>
-  </p:cSld>
-  <p:clrMapOvr>
-    <a:masterClrMapping/>
-  </p:clrMapOvr>
-  <p:timing>
-    <p:tnLst>
-      <p:par>
-        <p:cTn id="1" dur="indefinite" restart="never" nodeType="tmRoot"/>
-      </p:par>
-    </p:tnLst>
-  </p:timing>
-</p:sld>
-</file>
-
-<file path=ppt/slides/slide6.xml><?xml version="1.0" encoding="utf-8"?>
-<p:sld xmlns:a="http://schemas.openxmlformats.org/drawingml/2006/main" xmlns:r="http://schemas.openxmlformats.org/officeDocument/2006/relationships" xmlns:p="http://schemas.openxmlformats.org/presentationml/2006/main">
-  <p:cSld>
-    <p:spTree>
-      <p:nvGrpSpPr>
-        <p:cNvPr id="1" name=""/>
-        <p:cNvGrpSpPr/>
-        <p:nvPr/>
-      </p:nvGrpSpPr>
-      <p:grpSpPr>
-        <a:xfrm>
-          <a:off x="0" y="0"/>
-          <a:ext cx="0" cy="0"/>
-          <a:chOff x="0" y="0"/>
-          <a:chExt cx="0" cy="0"/>
-        </a:xfrm>
-      </p:grpSpPr>
-      <p:sp>
-        <p:nvSpPr>
-          <p:cNvPr id="2" name="Titre 1"/>
-          <p:cNvSpPr>
-            <a:spLocks noGrp="1"/>
-          </p:cNvSpPr>
-          <p:nvPr>
-            <p:ph type="title"/>
-          </p:nvPr>
-        </p:nvSpPr>
-        <p:spPr>
-          <a:xfrm>
             <a:off x="685801" y="345330"/>
             <a:ext cx="10131425" cy="1456267"/>
           </a:xfrm>
@@ -6764,7 +6740,7 @@
         <p:spPr>
           <a:xfrm>
             <a:off x="1922106" y="2331201"/>
-            <a:ext cx="1854354" cy="369332"/>
+            <a:ext cx="2373727" cy="369332"/>
           </a:xfrm>
           <a:prstGeom prst="rect">
             <a:avLst/>
@@ -6779,7 +6755,11 @@
           <a:p>
             <a:r>
               <a:rPr lang="fr-BE" dirty="0" smtClean="0"/>
-              <a:t>ANDROID STUDIO</a:t>
+              <a:t>ANDROID </a:t>
+            </a:r>
+            <a:r>
+              <a:rPr lang="fr-BE" dirty="0" smtClean="0"/>
+              <a:t>STUDIO 2.2.2</a:t>
             </a:r>
             <a:endParaRPr lang="fr-BE" dirty="0"/>
           </a:p>
@@ -6865,7 +6845,7 @@
         <p:spPr>
           <a:xfrm>
             <a:off x="1922105" y="4732566"/>
-            <a:ext cx="1455078" cy="369332"/>
+            <a:ext cx="1599284" cy="369332"/>
           </a:xfrm>
           <a:prstGeom prst="rect">
             <a:avLst/>
@@ -6880,7 +6860,11 @@
           <a:p>
             <a:r>
               <a:rPr lang="fr-BE" dirty="0" smtClean="0"/>
-              <a:t>LANGAE JAVA</a:t>
+              <a:t>LANGAGE </a:t>
+            </a:r>
+            <a:r>
+              <a:rPr lang="fr-BE" dirty="0" smtClean="0"/>
+              <a:t>JAVA</a:t>
             </a:r>
             <a:endParaRPr lang="fr-BE" dirty="0"/>
           </a:p>
@@ -6906,7 +6890,7 @@
 </p:sld>
 </file>
 
-<file path=ppt/slides/slide7.xml><?xml version="1.0" encoding="utf-8"?>
+<file path=ppt/slides/slide6.xml><?xml version="1.0" encoding="utf-8"?>
 <p:sld xmlns:a="http://schemas.openxmlformats.org/drawingml/2006/main" xmlns:r="http://schemas.openxmlformats.org/officeDocument/2006/relationships" xmlns:p="http://schemas.openxmlformats.org/presentationml/2006/main">
   <p:cSld>
     <p:spTree>
@@ -7296,7 +7280,7 @@
   <a:extraClrSchemeLst/>
   <a:extLst>
     <a:ext uri="{05A4C25C-085E-4340-85A3-A5531E510DB2}">
-      <thm15:themeFamily xmlns="" xmlns:thm15="http://schemas.microsoft.com/office/thememl/2012/main" name="Celestial" id="{C4BB2A3D-0E93-4C5F-B0D2-9D3FCE089CC5}" vid="{E44E6A2F-09CD-4BE0-B42D-107FF03CEED6}"/>
+      <thm15:themeFamily xmlns:thm15="http://schemas.microsoft.com/office/thememl/2012/main" name="Celestial" id="{C4BB2A3D-0E93-4C5F-B0D2-9D3FCE089CC5}" vid="{E44E6A2F-09CD-4BE0-B42D-107FF03CEED6}"/>
     </a:ext>
   </a:extLst>
 </a:theme>

--- a/PWP Presentation 1/Présentation7.pptx
+++ b/PWP Presentation 1/Présentation7.pptx
@@ -8,8 +8,8 @@
     <p:sldId id="256" r:id="rId2"/>
     <p:sldId id="258" r:id="rId3"/>
     <p:sldId id="259" r:id="rId4"/>
-    <p:sldId id="260" r:id="rId5"/>
-    <p:sldId id="261" r:id="rId6"/>
+    <p:sldId id="261" r:id="rId5"/>
+    <p:sldId id="260" r:id="rId6"/>
     <p:sldId id="262" r:id="rId7"/>
   </p:sldIdLst>
   <p:sldSz cx="12192000" cy="6858000"/>
@@ -111,7 +111,7 @@
   </p:defaultTextStyle>
   <p:extLst>
     <p:ext uri="{EFAFB233-063F-42B5-8137-9DF3F51BA10A}">
-      <p15:sldGuideLst xmlns:p15="http://schemas.microsoft.com/office/powerpoint/2012/main">
+      <p15:sldGuideLst xmlns:p15="http://schemas.microsoft.com/office/powerpoint/2012/main" xmlns="">
         <p15:guide id="1" orient="horz" pos="2160">
           <p15:clr>
             <a:srgbClr val="A4A3A4"/>
@@ -6303,7 +6303,7 @@
         </p:nvSpPr>
         <p:spPr>
           <a:xfrm>
-            <a:off x="685801" y="313702"/>
+            <a:off x="685801" y="345330"/>
             <a:ext cx="10131425" cy="1456267"/>
           </a:xfrm>
         </p:spPr>
@@ -6318,7 +6318,7 @@
               <a:rPr lang="fr-BE" sz="4000" dirty="0" smtClean="0">
                 <a:latin typeface="High Tower Text" panose="02040502050506030303" pitchFamily="18" charset="0"/>
               </a:rPr>
-              <a:t>Fonctionnalités</a:t>
+              <a:t>Technologies utilisées</a:t>
             </a:r>
             <a:endParaRPr lang="fr-BE" sz="4000" dirty="0">
               <a:latin typeface="High Tower Text" panose="02040502050506030303" pitchFamily="18" charset="0"/>
@@ -6358,7 +6358,7 @@
       </p:pic>
       <p:pic>
         <p:nvPicPr>
-          <p:cNvPr id="2052" name="Picture 4" descr="https://cdn3.iconfinder.com/data/icons/purchases-and-sales/512/lupa.png"/>
+          <p:cNvPr id="1028" name="Picture 4" descr="https://upload.wikimedia.org/wikipedia/commons/thumb/3/34/Android_Studio_icon.svg/2000px-Android_Studio_icon.svg.png"/>
           <p:cNvPicPr>
             <a:picLocks noChangeAspect="1" noChangeArrowheads="1"/>
           </p:cNvPicPr>
@@ -6378,8 +6378,8 @@
           </a:stretch>
         </p:blipFill>
         <p:spPr bwMode="auto">
-          <a:xfrm>
-            <a:off x="685801" y="3112304"/>
+          <a:xfrm flipH="1">
+            <a:off x="685801" y="2065867"/>
             <a:ext cx="900000" cy="900000"/>
           </a:xfrm>
           <a:prstGeom prst="rect">
@@ -6399,9 +6399,9 @@
       </p:pic>
       <p:pic>
         <p:nvPicPr>
-          <p:cNvPr id="7" name="Image 6"/>
+          <p:cNvPr id="1030" name="Picture 6" descr="https://cdn4.iconfinder.com/data/icons/iconsimple-logotypes/512/github-512.png"/>
           <p:cNvPicPr>
-            <a:picLocks noChangeAspect="1"/>
+            <a:picLocks noChangeAspect="1" noChangeArrowheads="1"/>
           </p:cNvPicPr>
           <p:nvPr/>
         </p:nvPicPr>
@@ -6413,25 +6413,96 @@
               </a:ext>
             </a:extLst>
           </a:blip>
+          <a:srcRect/>
           <a:stretch>
             <a:fillRect/>
           </a:stretch>
         </p:blipFill>
-        <p:spPr>
-          <a:xfrm>
-            <a:off x="369155" y="1678795"/>
-            <a:ext cx="1533292" cy="1533292"/>
+        <p:spPr bwMode="auto">
+          <a:xfrm>
+            <a:off x="685801" y="3230137"/>
+            <a:ext cx="900000" cy="900000"/>
           </a:xfrm>
           <a:prstGeom prst="rect">
             <a:avLst/>
           </a:prstGeom>
+          <a:noFill/>
+          <a:extLst>
+            <a:ext uri="{909E8E84-426E-40DD-AFC4-6F175D3DCCD1}">
+              <a14:hiddenFill xmlns:a14="http://schemas.microsoft.com/office/drawing/2010/main">
+                <a:solidFill>
+                  <a:srgbClr val="FFFFFF"/>
+                </a:solidFill>
+              </a14:hiddenFill>
+            </a:ext>
+          </a:extLst>
         </p:spPr>
       </p:pic>
+      <p:sp>
+        <p:nvSpPr>
+          <p:cNvPr id="6" name="ZoneTexte 5"/>
+          <p:cNvSpPr txBox="1"/>
+          <p:nvPr/>
+        </p:nvSpPr>
+        <p:spPr>
+          <a:xfrm>
+            <a:off x="1922106" y="2331201"/>
+            <a:ext cx="2373727" cy="369332"/>
+          </a:xfrm>
+          <a:prstGeom prst="rect">
+            <a:avLst/>
+          </a:prstGeom>
+          <a:noFill/>
+        </p:spPr>
+        <p:txBody>
+          <a:bodyPr wrap="none" rtlCol="0">
+            <a:spAutoFit/>
+          </a:bodyPr>
+          <a:lstStyle/>
+          <a:p>
+            <a:r>
+              <a:rPr lang="fr-BE" dirty="0" smtClean="0"/>
+              <a:t>ANDROID STUDIO 2.2.2</a:t>
+            </a:r>
+            <a:endParaRPr lang="fr-BE" dirty="0"/>
+          </a:p>
+        </p:txBody>
+      </p:sp>
+      <p:sp>
+        <p:nvSpPr>
+          <p:cNvPr id="10" name="ZoneTexte 9"/>
+          <p:cNvSpPr txBox="1"/>
+          <p:nvPr/>
+        </p:nvSpPr>
+        <p:spPr>
+          <a:xfrm>
+            <a:off x="1922106" y="3495471"/>
+            <a:ext cx="917239" cy="369332"/>
+          </a:xfrm>
+          <a:prstGeom prst="rect">
+            <a:avLst/>
+          </a:prstGeom>
+          <a:noFill/>
+        </p:spPr>
+        <p:txBody>
+          <a:bodyPr wrap="none" rtlCol="0">
+            <a:spAutoFit/>
+          </a:bodyPr>
+          <a:lstStyle/>
+          <a:p>
+            <a:r>
+              <a:rPr lang="fr-BE" dirty="0" smtClean="0"/>
+              <a:t>GITHUB</a:t>
+            </a:r>
+            <a:endParaRPr lang="fr-BE" dirty="0"/>
+          </a:p>
+        </p:txBody>
+      </p:sp>
       <p:pic>
         <p:nvPicPr>
-          <p:cNvPr id="8" name="Image 7"/>
+          <p:cNvPr id="1026" name="Picture 2" descr="Résultat de recherche d'images pour &quot;java programming png&quot;"/>
           <p:cNvPicPr>
-            <a:picLocks noChangeAspect="1"/>
+            <a:picLocks noChangeAspect="1" noChangeArrowheads="1"/>
           </p:cNvPicPr>
           <p:nvPr/>
         </p:nvPicPr>
@@ -6443,60 +6514,41 @@
               </a:ext>
             </a:extLst>
           </a:blip>
+          <a:srcRect/>
           <a:stretch>
             <a:fillRect/>
           </a:stretch>
         </p:blipFill>
-        <p:spPr>
-          <a:xfrm>
-            <a:off x="685801" y="4258524"/>
+        <p:spPr bwMode="auto">
+          <a:xfrm>
+            <a:off x="685801" y="4394407"/>
             <a:ext cx="900000" cy="900000"/>
-          </a:xfrm>
-          <a:prstGeom prst="rect">
-            <a:avLst/>
-          </a:prstGeom>
-        </p:spPr>
-      </p:pic>
-      <p:sp>
-        <p:nvSpPr>
-          <p:cNvPr id="9" name="ZoneTexte 8"/>
-          <p:cNvSpPr txBox="1"/>
-          <p:nvPr/>
-        </p:nvSpPr>
-        <p:spPr>
-          <a:xfrm>
-            <a:off x="1958202" y="2231418"/>
-            <a:ext cx="1216295" cy="369332"/>
           </a:xfrm>
           <a:prstGeom prst="rect">
             <a:avLst/>
           </a:prstGeom>
           <a:noFill/>
-        </p:spPr>
-        <p:txBody>
-          <a:bodyPr wrap="none" rtlCol="0">
-            <a:spAutoFit/>
-          </a:bodyPr>
-          <a:lstStyle/>
-          <a:p>
-            <a:r>
-              <a:rPr lang="fr-BE" dirty="0" smtClean="0"/>
-              <a:t>Marqueurs</a:t>
-            </a:r>
-            <a:endParaRPr lang="fr-BE" dirty="0"/>
-          </a:p>
-        </p:txBody>
-      </p:sp>
-      <p:sp>
-        <p:nvSpPr>
-          <p:cNvPr id="13" name="ZoneTexte 12"/>
+          <a:extLst>
+            <a:ext uri="{909E8E84-426E-40DD-AFC4-6F175D3DCCD1}">
+              <a14:hiddenFill xmlns:a14="http://schemas.microsoft.com/office/drawing/2010/main">
+                <a:solidFill>
+                  <a:srgbClr val="FFFFFF"/>
+                </a:solidFill>
+              </a14:hiddenFill>
+            </a:ext>
+          </a:extLst>
+        </p:spPr>
+      </p:pic>
+      <p:sp>
+        <p:nvSpPr>
+          <p:cNvPr id="9" name="ZoneTexte 8"/>
           <p:cNvSpPr txBox="1"/>
           <p:nvPr/>
         </p:nvSpPr>
         <p:spPr>
           <a:xfrm>
-            <a:off x="1958202" y="3377638"/>
-            <a:ext cx="716799" cy="369332"/>
+            <a:off x="1922105" y="4732566"/>
+            <a:ext cx="1599284" cy="369332"/>
           </a:xfrm>
           <a:prstGeom prst="rect">
             <a:avLst/>
@@ -6511,37 +6563,7 @@
           <a:p>
             <a:r>
               <a:rPr lang="fr-BE" dirty="0" smtClean="0"/>
-              <a:t>Zoom</a:t>
-            </a:r>
-            <a:endParaRPr lang="fr-BE" dirty="0"/>
-          </a:p>
-        </p:txBody>
-      </p:sp>
-      <p:sp>
-        <p:nvSpPr>
-          <p:cNvPr id="14" name="ZoneTexte 13"/>
-          <p:cNvSpPr txBox="1"/>
-          <p:nvPr/>
-        </p:nvSpPr>
-        <p:spPr>
-          <a:xfrm>
-            <a:off x="1902447" y="4669867"/>
-            <a:ext cx="1040926" cy="369332"/>
-          </a:xfrm>
-          <a:prstGeom prst="rect">
-            <a:avLst/>
-          </a:prstGeom>
-          <a:noFill/>
-        </p:spPr>
-        <p:txBody>
-          <a:bodyPr wrap="none" rtlCol="0">
-            <a:spAutoFit/>
-          </a:bodyPr>
-          <a:lstStyle/>
-          <a:p>
-            <a:r>
-              <a:rPr lang="fr-BE" dirty="0" smtClean="0"/>
-              <a:t>Itinéraire</a:t>
+              <a:t>LANGAGE JAVA</a:t>
             </a:r>
             <a:endParaRPr lang="fr-BE" dirty="0"/>
           </a:p>
@@ -6550,7 +6572,7 @@
     </p:spTree>
     <p:extLst>
       <p:ext uri="{BB962C8B-B14F-4D97-AF65-F5344CB8AC3E}">
-        <p14:creationId xmlns:p14="http://schemas.microsoft.com/office/powerpoint/2010/main" val="1393964472"/>
+        <p14:creationId xmlns:p14="http://schemas.microsoft.com/office/powerpoint/2010/main" val="3268593700"/>
       </p:ext>
     </p:extLst>
   </p:cSld>
@@ -6596,7 +6618,7 @@
         </p:nvSpPr>
         <p:spPr>
           <a:xfrm>
-            <a:off x="685801" y="345330"/>
+            <a:off x="685801" y="313702"/>
             <a:ext cx="10131425" cy="1456267"/>
           </a:xfrm>
         </p:spPr>
@@ -6611,7 +6633,7 @@
               <a:rPr lang="fr-BE" sz="4000" dirty="0" smtClean="0">
                 <a:latin typeface="High Tower Text" panose="02040502050506030303" pitchFamily="18" charset="0"/>
               </a:rPr>
-              <a:t>Technologies utilisées</a:t>
+              <a:t>Fonctionnalités</a:t>
             </a:r>
             <a:endParaRPr lang="fr-BE" sz="4000" dirty="0">
               <a:latin typeface="High Tower Text" panose="02040502050506030303" pitchFamily="18" charset="0"/>
@@ -6651,7 +6673,7 @@
       </p:pic>
       <p:pic>
         <p:nvPicPr>
-          <p:cNvPr id="1028" name="Picture 4" descr="https://upload.wikimedia.org/wikipedia/commons/thumb/3/34/Android_Studio_icon.svg/2000px-Android_Studio_icon.svg.png"/>
+          <p:cNvPr id="2052" name="Picture 4" descr="https://cdn3.iconfinder.com/data/icons/purchases-and-sales/512/lupa.png"/>
           <p:cNvPicPr>
             <a:picLocks noChangeAspect="1" noChangeArrowheads="1"/>
           </p:cNvPicPr>
@@ -6671,8 +6693,8 @@
           </a:stretch>
         </p:blipFill>
         <p:spPr bwMode="auto">
-          <a:xfrm flipH="1">
-            <a:off x="685801" y="2065867"/>
+          <a:xfrm>
+            <a:off x="685801" y="3112304"/>
             <a:ext cx="900000" cy="900000"/>
           </a:xfrm>
           <a:prstGeom prst="rect">
@@ -6692,9 +6714,9 @@
       </p:pic>
       <p:pic>
         <p:nvPicPr>
-          <p:cNvPr id="1030" name="Picture 6" descr="https://cdn4.iconfinder.com/data/icons/iconsimple-logotypes/512/github-512.png"/>
+          <p:cNvPr id="7" name="Image 6"/>
           <p:cNvPicPr>
-            <a:picLocks noChangeAspect="1" noChangeArrowheads="1"/>
+            <a:picLocks noChangeAspect="1"/>
           </p:cNvPicPr>
           <p:nvPr/>
         </p:nvPicPr>
@@ -6706,100 +6728,25 @@
               </a:ext>
             </a:extLst>
           </a:blip>
-          <a:srcRect/>
           <a:stretch>
             <a:fillRect/>
           </a:stretch>
         </p:blipFill>
-        <p:spPr bwMode="auto">
-          <a:xfrm>
-            <a:off x="685801" y="3230137"/>
-            <a:ext cx="900000" cy="900000"/>
+        <p:spPr>
+          <a:xfrm>
+            <a:off x="369155" y="1678795"/>
+            <a:ext cx="1533292" cy="1533292"/>
           </a:xfrm>
           <a:prstGeom prst="rect">
             <a:avLst/>
           </a:prstGeom>
-          <a:noFill/>
-          <a:extLst>
-            <a:ext uri="{909E8E84-426E-40DD-AFC4-6F175D3DCCD1}">
-              <a14:hiddenFill xmlns:a14="http://schemas.microsoft.com/office/drawing/2010/main">
-                <a:solidFill>
-                  <a:srgbClr val="FFFFFF"/>
-                </a:solidFill>
-              </a14:hiddenFill>
-            </a:ext>
-          </a:extLst>
         </p:spPr>
       </p:pic>
-      <p:sp>
-        <p:nvSpPr>
-          <p:cNvPr id="6" name="ZoneTexte 5"/>
-          <p:cNvSpPr txBox="1"/>
-          <p:nvPr/>
-        </p:nvSpPr>
-        <p:spPr>
-          <a:xfrm>
-            <a:off x="1922106" y="2331201"/>
-            <a:ext cx="2373727" cy="369332"/>
-          </a:xfrm>
-          <a:prstGeom prst="rect">
-            <a:avLst/>
-          </a:prstGeom>
-          <a:noFill/>
-        </p:spPr>
-        <p:txBody>
-          <a:bodyPr wrap="none" rtlCol="0">
-            <a:spAutoFit/>
-          </a:bodyPr>
-          <a:lstStyle/>
-          <a:p>
-            <a:r>
-              <a:rPr lang="fr-BE" dirty="0" smtClean="0"/>
-              <a:t>ANDROID </a:t>
-            </a:r>
-            <a:r>
-              <a:rPr lang="fr-BE" dirty="0" smtClean="0"/>
-              <a:t>STUDIO 2.2.2</a:t>
-            </a:r>
-            <a:endParaRPr lang="fr-BE" dirty="0"/>
-          </a:p>
-        </p:txBody>
-      </p:sp>
-      <p:sp>
-        <p:nvSpPr>
-          <p:cNvPr id="10" name="ZoneTexte 9"/>
-          <p:cNvSpPr txBox="1"/>
-          <p:nvPr/>
-        </p:nvSpPr>
-        <p:spPr>
-          <a:xfrm>
-            <a:off x="1922106" y="3495471"/>
-            <a:ext cx="917239" cy="369332"/>
-          </a:xfrm>
-          <a:prstGeom prst="rect">
-            <a:avLst/>
-          </a:prstGeom>
-          <a:noFill/>
-        </p:spPr>
-        <p:txBody>
-          <a:bodyPr wrap="none" rtlCol="0">
-            <a:spAutoFit/>
-          </a:bodyPr>
-          <a:lstStyle/>
-          <a:p>
-            <a:r>
-              <a:rPr lang="fr-BE" dirty="0" smtClean="0"/>
-              <a:t>GITHUB</a:t>
-            </a:r>
-            <a:endParaRPr lang="fr-BE" dirty="0"/>
-          </a:p>
-        </p:txBody>
-      </p:sp>
       <p:pic>
         <p:nvPicPr>
-          <p:cNvPr id="1026" name="Picture 2" descr="Résultat de recherche d'images pour &quot;java programming png&quot;"/>
+          <p:cNvPr id="8" name="Image 7"/>
           <p:cNvPicPr>
-            <a:picLocks noChangeAspect="1" noChangeArrowheads="1"/>
+            <a:picLocks noChangeAspect="1"/>
           </p:cNvPicPr>
           <p:nvPr/>
         </p:nvPicPr>
@@ -6811,41 +6758,60 @@
               </a:ext>
             </a:extLst>
           </a:blip>
-          <a:srcRect/>
           <a:stretch>
             <a:fillRect/>
           </a:stretch>
         </p:blipFill>
-        <p:spPr bwMode="auto">
-          <a:xfrm>
-            <a:off x="685801" y="4394407"/>
+        <p:spPr>
+          <a:xfrm>
+            <a:off x="685801" y="4258524"/>
             <a:ext cx="900000" cy="900000"/>
+          </a:xfrm>
+          <a:prstGeom prst="rect">
+            <a:avLst/>
+          </a:prstGeom>
+        </p:spPr>
+      </p:pic>
+      <p:sp>
+        <p:nvSpPr>
+          <p:cNvPr id="9" name="ZoneTexte 8"/>
+          <p:cNvSpPr txBox="1"/>
+          <p:nvPr/>
+        </p:nvSpPr>
+        <p:spPr>
+          <a:xfrm>
+            <a:off x="1958202" y="2231418"/>
+            <a:ext cx="1216295" cy="369332"/>
           </a:xfrm>
           <a:prstGeom prst="rect">
             <a:avLst/>
           </a:prstGeom>
           <a:noFill/>
-          <a:extLst>
-            <a:ext uri="{909E8E84-426E-40DD-AFC4-6F175D3DCCD1}">
-              <a14:hiddenFill xmlns:a14="http://schemas.microsoft.com/office/drawing/2010/main">
-                <a:solidFill>
-                  <a:srgbClr val="FFFFFF"/>
-                </a:solidFill>
-              </a14:hiddenFill>
-            </a:ext>
-          </a:extLst>
-        </p:spPr>
-      </p:pic>
-      <p:sp>
-        <p:nvSpPr>
-          <p:cNvPr id="9" name="ZoneTexte 8"/>
+        </p:spPr>
+        <p:txBody>
+          <a:bodyPr wrap="none" rtlCol="0">
+            <a:spAutoFit/>
+          </a:bodyPr>
+          <a:lstStyle/>
+          <a:p>
+            <a:r>
+              <a:rPr lang="fr-BE" dirty="0" smtClean="0"/>
+              <a:t>Marqueurs</a:t>
+            </a:r>
+            <a:endParaRPr lang="fr-BE" dirty="0"/>
+          </a:p>
+        </p:txBody>
+      </p:sp>
+      <p:sp>
+        <p:nvSpPr>
+          <p:cNvPr id="13" name="ZoneTexte 12"/>
           <p:cNvSpPr txBox="1"/>
           <p:nvPr/>
         </p:nvSpPr>
         <p:spPr>
           <a:xfrm>
-            <a:off x="1922105" y="4732566"/>
-            <a:ext cx="1599284" cy="369332"/>
+            <a:off x="1958202" y="3377638"/>
+            <a:ext cx="716799" cy="369332"/>
           </a:xfrm>
           <a:prstGeom prst="rect">
             <a:avLst/>
@@ -6860,11 +6826,37 @@
           <a:p>
             <a:r>
               <a:rPr lang="fr-BE" dirty="0" smtClean="0"/>
-              <a:t>LANGAGE </a:t>
-            </a:r>
+              <a:t>Zoom</a:t>
+            </a:r>
+            <a:endParaRPr lang="fr-BE" dirty="0"/>
+          </a:p>
+        </p:txBody>
+      </p:sp>
+      <p:sp>
+        <p:nvSpPr>
+          <p:cNvPr id="14" name="ZoneTexte 13"/>
+          <p:cNvSpPr txBox="1"/>
+          <p:nvPr/>
+        </p:nvSpPr>
+        <p:spPr>
+          <a:xfrm>
+            <a:off x="1902447" y="4669867"/>
+            <a:ext cx="1040926" cy="369332"/>
+          </a:xfrm>
+          <a:prstGeom prst="rect">
+            <a:avLst/>
+          </a:prstGeom>
+          <a:noFill/>
+        </p:spPr>
+        <p:txBody>
+          <a:bodyPr wrap="none" rtlCol="0">
+            <a:spAutoFit/>
+          </a:bodyPr>
+          <a:lstStyle/>
+          <a:p>
             <a:r>
               <a:rPr lang="fr-BE" dirty="0" smtClean="0"/>
-              <a:t>JAVA</a:t>
+              <a:t>Itinéraire</a:t>
             </a:r>
             <a:endParaRPr lang="fr-BE" dirty="0"/>
           </a:p>
@@ -6873,7 +6865,7 @@
     </p:spTree>
     <p:extLst>
       <p:ext uri="{BB962C8B-B14F-4D97-AF65-F5344CB8AC3E}">
-        <p14:creationId xmlns:p14="http://schemas.microsoft.com/office/powerpoint/2010/main" val="3268593700"/>
+        <p14:creationId xmlns:p14="http://schemas.microsoft.com/office/powerpoint/2010/main" val="1393964472"/>
       </p:ext>
     </p:extLst>
   </p:cSld>
@@ -7280,7 +7272,7 @@
   <a:extraClrSchemeLst/>
   <a:extLst>
     <a:ext uri="{05A4C25C-085E-4340-85A3-A5531E510DB2}">
-      <thm15:themeFamily xmlns:thm15="http://schemas.microsoft.com/office/thememl/2012/main" name="Celestial" id="{C4BB2A3D-0E93-4C5F-B0D2-9D3FCE089CC5}" vid="{E44E6A2F-09CD-4BE0-B42D-107FF03CEED6}"/>
+      <thm15:themeFamily xmlns:thm15="http://schemas.microsoft.com/office/thememl/2012/main" xmlns="" name="Celestial" id="{C4BB2A3D-0E93-4C5F-B0D2-9D3FCE089CC5}" vid="{E44E6A2F-09CD-4BE0-B42D-107FF03CEED6}"/>
     </a:ext>
   </a:extLst>
 </a:theme>

--- a/PWP Presentation 1/Présentation7.pptx
+++ b/PWP Presentation 1/Présentation7.pptx
@@ -8,9 +8,10 @@
     <p:sldId id="256" r:id="rId2"/>
     <p:sldId id="258" r:id="rId3"/>
     <p:sldId id="259" r:id="rId4"/>
-    <p:sldId id="261" r:id="rId5"/>
-    <p:sldId id="260" r:id="rId6"/>
-    <p:sldId id="262" r:id="rId7"/>
+    <p:sldId id="263" r:id="rId5"/>
+    <p:sldId id="261" r:id="rId6"/>
+    <p:sldId id="260" r:id="rId7"/>
+    <p:sldId id="262" r:id="rId8"/>
   </p:sldIdLst>
   <p:sldSz cx="12192000" cy="6858000"/>
   <p:notesSz cx="6858000" cy="9144000"/>
@@ -111,7 +112,7 @@
   </p:defaultTextStyle>
   <p:extLst>
     <p:ext uri="{EFAFB233-063F-42B5-8137-9DF3F51BA10A}">
-      <p15:sldGuideLst xmlns:p15="http://schemas.microsoft.com/office/powerpoint/2012/main" xmlns="">
+      <p15:sldGuideLst xmlns:p15="http://schemas.microsoft.com/office/powerpoint/2012/main">
         <p15:guide id="1" orient="horz" pos="2160">
           <p15:clr>
             <a:srgbClr val="A4A3A4"/>
@@ -6291,6 +6292,65 @@
           <a:chExt cx="0" cy="0"/>
         </a:xfrm>
       </p:grpSpPr>
+      <p:pic>
+        <p:nvPicPr>
+          <p:cNvPr id="8" name="Espace réservé du contenu 7"/>
+          <p:cNvPicPr>
+            <a:picLocks noGrp="1" noChangeAspect="1"/>
+          </p:cNvPicPr>
+          <p:nvPr>
+            <p:ph idx="1"/>
+          </p:nvPr>
+        </p:nvPicPr>
+        <p:blipFill>
+          <a:blip r:embed="rId2">
+            <a:extLst>
+              <a:ext uri="{28A0092B-C50C-407E-A947-70E740481C1C}">
+                <a14:useLocalDpi xmlns:a14="http://schemas.microsoft.com/office/drawing/2010/main" val="0"/>
+              </a:ext>
+            </a:extLst>
+          </a:blip>
+          <a:stretch>
+            <a:fillRect/>
+          </a:stretch>
+        </p:blipFill>
+        <p:spPr>
+          <a:xfrm>
+            <a:off x="3981110" y="1412196"/>
+            <a:ext cx="3649662" cy="3649662"/>
+          </a:xfrm>
+        </p:spPr>
+      </p:pic>
+    </p:spTree>
+    <p:extLst>
+      <p:ext uri="{BB962C8B-B14F-4D97-AF65-F5344CB8AC3E}">
+        <p14:creationId xmlns:p14="http://schemas.microsoft.com/office/powerpoint/2010/main" val="2404914869"/>
+      </p:ext>
+    </p:extLst>
+  </p:cSld>
+  <p:clrMapOvr>
+    <a:masterClrMapping/>
+  </p:clrMapOvr>
+</p:sld>
+</file>
+
+<file path=ppt/slides/slide5.xml><?xml version="1.0" encoding="utf-8"?>
+<p:sld xmlns:a="http://schemas.openxmlformats.org/drawingml/2006/main" xmlns:r="http://schemas.openxmlformats.org/officeDocument/2006/relationships" xmlns:p="http://schemas.openxmlformats.org/presentationml/2006/main">
+  <p:cSld>
+    <p:spTree>
+      <p:nvGrpSpPr>
+        <p:cNvPr id="1" name=""/>
+        <p:cNvGrpSpPr/>
+        <p:nvPr/>
+      </p:nvGrpSpPr>
+      <p:grpSpPr>
+        <a:xfrm>
+          <a:off x="0" y="0"/>
+          <a:ext cx="0" cy="0"/>
+          <a:chOff x="0" y="0"/>
+          <a:chExt cx="0" cy="0"/>
+        </a:xfrm>
+      </p:grpSpPr>
       <p:sp>
         <p:nvSpPr>
           <p:cNvPr id="2" name="Titre 1"/>
@@ -6589,7 +6649,7 @@
 </p:sld>
 </file>
 
-<file path=ppt/slides/slide5.xml><?xml version="1.0" encoding="utf-8"?>
+<file path=ppt/slides/slide6.xml><?xml version="1.0" encoding="utf-8"?>
 <p:sld xmlns:a="http://schemas.openxmlformats.org/drawingml/2006/main" xmlns:r="http://schemas.openxmlformats.org/officeDocument/2006/relationships" xmlns:p="http://schemas.openxmlformats.org/presentationml/2006/main">
   <p:cSld>
     <p:spTree>
@@ -6882,7 +6942,7 @@
 </p:sld>
 </file>
 
-<file path=ppt/slides/slide6.xml><?xml version="1.0" encoding="utf-8"?>
+<file path=ppt/slides/slide7.xml><?xml version="1.0" encoding="utf-8"?>
 <p:sld xmlns:a="http://schemas.openxmlformats.org/drawingml/2006/main" xmlns:r="http://schemas.openxmlformats.org/officeDocument/2006/relationships" xmlns:p="http://schemas.openxmlformats.org/presentationml/2006/main">
   <p:cSld>
     <p:spTree>
@@ -7272,7 +7332,7 @@
   <a:extraClrSchemeLst/>
   <a:extLst>
     <a:ext uri="{05A4C25C-085E-4340-85A3-A5531E510DB2}">
-      <thm15:themeFamily xmlns:thm15="http://schemas.microsoft.com/office/thememl/2012/main" xmlns="" name="Celestial" id="{C4BB2A3D-0E93-4C5F-B0D2-9D3FCE089CC5}" vid="{E44E6A2F-09CD-4BE0-B42D-107FF03CEED6}"/>
+      <thm15:themeFamily xmlns:thm15="http://schemas.microsoft.com/office/thememl/2012/main" name="Celestial" id="{C4BB2A3D-0E93-4C5F-B0D2-9D3FCE089CC5}" vid="{E44E6A2F-09CD-4BE0-B42D-107FF03CEED6}"/>
     </a:ext>
   </a:extLst>
 </a:theme>

--- a/PWP Presentation 1/Présentation7.pptx
+++ b/PWP Presentation 1/Présentation7.pptx
@@ -112,7 +112,7 @@
   </p:defaultTextStyle>
   <p:extLst>
     <p:ext uri="{EFAFB233-063F-42B5-8137-9DF3F51BA10A}">
-      <p15:sldGuideLst xmlns:p15="http://schemas.microsoft.com/office/powerpoint/2012/main">
+      <p15:sldGuideLst xmlns:p15="http://schemas.microsoft.com/office/powerpoint/2012/main" xmlns="">
         <p15:guide id="1" orient="horz" pos="2160">
           <p15:clr>
             <a:srgbClr val="A4A3A4"/>
@@ -359,7 +359,7 @@
             <a:fld id="{B61BEF0D-F0BB-DE4B-95CE-6DB70DBA9567}" type="datetimeFigureOut">
               <a:rPr lang="en-US" dirty="0"/>
               <a:pPr/>
-              <a:t>11/9/2016</a:t>
+              <a:t>11/23/2016</a:t>
             </a:fld>
             <a:endParaRPr lang="en-US" dirty="0"/>
           </a:p>
@@ -690,7 +690,7 @@
             <a:fld id="{B61BEF0D-F0BB-DE4B-95CE-6DB70DBA9567}" type="datetimeFigureOut">
               <a:rPr lang="en-US" dirty="0"/>
               <a:pPr/>
-              <a:t>11/9/2016</a:t>
+              <a:t>11/23/2016</a:t>
             </a:fld>
             <a:endParaRPr lang="en-US" dirty="0"/>
           </a:p>
@@ -965,7 +965,7 @@
             <a:fld id="{B61BEF0D-F0BB-DE4B-95CE-6DB70DBA9567}" type="datetimeFigureOut">
               <a:rPr lang="en-US" dirty="0"/>
               <a:pPr/>
-              <a:t>11/9/2016</a:t>
+              <a:t>11/23/2016</a:t>
             </a:fld>
             <a:endParaRPr lang="en-US" dirty="0"/>
           </a:p>
@@ -1530,7 +1530,7 @@
             <a:fld id="{B61BEF0D-F0BB-DE4B-95CE-6DB70DBA9567}" type="datetimeFigureOut">
               <a:rPr lang="en-US" dirty="0"/>
               <a:pPr/>
-              <a:t>11/9/2016</a:t>
+              <a:t>11/23/2016</a:t>
             </a:fld>
             <a:endParaRPr lang="en-US" dirty="0"/>
           </a:p>
@@ -1805,7 +1805,7 @@
             <a:fld id="{B61BEF0D-F0BB-DE4B-95CE-6DB70DBA9567}" type="datetimeFigureOut">
               <a:rPr lang="en-US" dirty="0"/>
               <a:pPr/>
-              <a:t>11/9/2016</a:t>
+              <a:t>11/23/2016</a:t>
             </a:fld>
             <a:endParaRPr lang="en-US" dirty="0"/>
           </a:p>
@@ -2364,7 +2364,7 @@
             <a:fld id="{B61BEF0D-F0BB-DE4B-95CE-6DB70DBA9567}" type="datetimeFigureOut">
               <a:rPr lang="en-US" dirty="0"/>
               <a:pPr/>
-              <a:t>11/9/2016</a:t>
+              <a:t>11/23/2016</a:t>
             </a:fld>
             <a:endParaRPr lang="en-US" dirty="0"/>
           </a:p>
@@ -2688,7 +2688,7 @@
             <a:fld id="{B61BEF0D-F0BB-DE4B-95CE-6DB70DBA9567}" type="datetimeFigureOut">
               <a:rPr lang="en-US" dirty="0"/>
               <a:pPr/>
-              <a:t>11/9/2016</a:t>
+              <a:t>11/23/2016</a:t>
             </a:fld>
             <a:endParaRPr lang="en-US" dirty="0"/>
           </a:p>
@@ -2890,7 +2890,7 @@
             <a:fld id="{B61BEF0D-F0BB-DE4B-95CE-6DB70DBA9567}" type="datetimeFigureOut">
               <a:rPr lang="en-US" dirty="0"/>
               <a:pPr/>
-              <a:t>11/9/2016</a:t>
+              <a:t>11/23/2016</a:t>
             </a:fld>
             <a:endParaRPr lang="en-US" dirty="0"/>
           </a:p>
@@ -3097,7 +3097,7 @@
             <a:fld id="{B61BEF0D-F0BB-DE4B-95CE-6DB70DBA9567}" type="datetimeFigureOut">
               <a:rPr lang="en-US" dirty="0"/>
               <a:pPr/>
-              <a:t>11/9/2016</a:t>
+              <a:t>11/23/2016</a:t>
             </a:fld>
             <a:endParaRPr lang="en-US" dirty="0"/>
           </a:p>
@@ -3294,7 +3294,7 @@
             <a:fld id="{B61BEF0D-F0BB-DE4B-95CE-6DB70DBA9567}" type="datetimeFigureOut">
               <a:rPr lang="en-US" dirty="0"/>
               <a:pPr/>
-              <a:t>11/9/2016</a:t>
+              <a:t>11/23/2016</a:t>
             </a:fld>
             <a:endParaRPr lang="en-US" dirty="0"/>
           </a:p>
@@ -3567,7 +3567,7 @@
             <a:fld id="{B61BEF0D-F0BB-DE4B-95CE-6DB70DBA9567}" type="datetimeFigureOut">
               <a:rPr lang="en-US" dirty="0"/>
               <a:pPr/>
-              <a:t>11/9/2016</a:t>
+              <a:t>11/23/2016</a:t>
             </a:fld>
             <a:endParaRPr lang="en-US" dirty="0"/>
           </a:p>
@@ -3830,7 +3830,7 @@
             <a:fld id="{B61BEF0D-F0BB-DE4B-95CE-6DB70DBA9567}" type="datetimeFigureOut">
               <a:rPr lang="en-US" dirty="0"/>
               <a:pPr/>
-              <a:t>11/9/2016</a:t>
+              <a:t>11/23/2016</a:t>
             </a:fld>
             <a:endParaRPr lang="en-US" dirty="0"/>
           </a:p>
@@ -4201,7 +4201,7 @@
             <a:fld id="{B61BEF0D-F0BB-DE4B-95CE-6DB70DBA9567}" type="datetimeFigureOut">
               <a:rPr lang="en-US" dirty="0"/>
               <a:pPr/>
-              <a:t>11/9/2016</a:t>
+              <a:t>11/23/2016</a:t>
             </a:fld>
             <a:endParaRPr lang="en-US" dirty="0"/>
           </a:p>
@@ -4346,7 +4346,7 @@
             <a:fld id="{B61BEF0D-F0BB-DE4B-95CE-6DB70DBA9567}" type="datetimeFigureOut">
               <a:rPr lang="en-US" dirty="0"/>
               <a:pPr/>
-              <a:t>11/9/2016</a:t>
+              <a:t>11/23/2016</a:t>
             </a:fld>
             <a:endParaRPr lang="en-US" dirty="0"/>
           </a:p>
@@ -4468,7 +4468,7 @@
             <a:fld id="{B61BEF0D-F0BB-DE4B-95CE-6DB70DBA9567}" type="datetimeFigureOut">
               <a:rPr lang="en-US" dirty="0"/>
               <a:pPr/>
-              <a:t>11/9/2016</a:t>
+              <a:t>11/23/2016</a:t>
             </a:fld>
             <a:endParaRPr lang="en-US" dirty="0"/>
           </a:p>
@@ -4750,7 +4750,7 @@
             <a:fld id="{B61BEF0D-F0BB-DE4B-95CE-6DB70DBA9567}" type="datetimeFigureOut">
               <a:rPr lang="en-US" dirty="0"/>
               <a:pPr/>
-              <a:t>11/9/2016</a:t>
+              <a:t>11/23/2016</a:t>
             </a:fld>
             <a:endParaRPr lang="en-US" dirty="0"/>
           </a:p>
@@ -5071,7 +5071,7 @@
             <a:fld id="{B61BEF0D-F0BB-DE4B-95CE-6DB70DBA9567}" type="datetimeFigureOut">
               <a:rPr lang="en-US" dirty="0"/>
               <a:pPr/>
-              <a:t>11/9/2016</a:t>
+              <a:t>11/23/2016</a:t>
             </a:fld>
             <a:endParaRPr lang="en-US" dirty="0"/>
           </a:p>
@@ -5282,7 +5282,7 @@
             <a:fld id="{B61BEF0D-F0BB-DE4B-95CE-6DB70DBA9567}" type="datetimeFigureOut">
               <a:rPr lang="en-US" dirty="0"/>
               <a:pPr/>
-              <a:t>11/9/2016</a:t>
+              <a:t>11/23/2016</a:t>
             </a:fld>
             <a:endParaRPr lang="en-US" dirty="0"/>
           </a:p>
@@ -6292,15 +6292,41 @@
           <a:chExt cx="0" cy="0"/>
         </a:xfrm>
       </p:grpSpPr>
+      <p:sp>
+        <p:nvSpPr>
+          <p:cNvPr id="2" name="Titre 1"/>
+          <p:cNvSpPr>
+            <a:spLocks noGrp="1"/>
+          </p:cNvSpPr>
+          <p:nvPr>
+            <p:ph type="title"/>
+          </p:nvPr>
+        </p:nvSpPr>
+        <p:spPr/>
+        <p:txBody>
+          <a:bodyPr/>
+          <a:lstStyle/>
+          <a:p>
+            <a:pPr algn="ctr"/>
+            <a:r>
+              <a:rPr lang="fr-BE" dirty="0" smtClean="0">
+                <a:latin typeface="High Tower Text" panose="02040502050506030303" pitchFamily="18" charset="0"/>
+              </a:rPr>
+              <a:t>Google MAPS</a:t>
+            </a:r>
+            <a:endParaRPr lang="fr-BE" dirty="0">
+              <a:latin typeface="High Tower Text" panose="02040502050506030303" pitchFamily="18" charset="0"/>
+            </a:endParaRPr>
+          </a:p>
+        </p:txBody>
+      </p:sp>
       <p:pic>
         <p:nvPicPr>
-          <p:cNvPr id="8" name="Espace réservé du contenu 7"/>
+          <p:cNvPr id="1026" name="Picture 2" descr="C:\Users\regfa\Documents\GitHub\mapsLibrary\PWP Presentation 1\google_maps_icon.jpg"/>
           <p:cNvPicPr>
-            <a:picLocks noGrp="1" noChangeAspect="1"/>
+            <a:picLocks noChangeAspect="1" noChangeArrowheads="1"/>
           </p:cNvPicPr>
-          <p:nvPr>
-            <p:ph idx="1"/>
-          </p:nvPr>
+          <p:nvPr/>
         </p:nvPicPr>
         <p:blipFill>
           <a:blip r:embed="rId2">
@@ -6310,15 +6336,29 @@
               </a:ext>
             </a:extLst>
           </a:blip>
+          <a:srcRect/>
           <a:stretch>
             <a:fillRect/>
           </a:stretch>
         </p:blipFill>
-        <p:spPr>
-          <a:xfrm>
-            <a:off x="3981110" y="1412196"/>
-            <a:ext cx="3649662" cy="3649662"/>
-          </a:xfrm>
+        <p:spPr bwMode="auto">
+          <a:xfrm>
+            <a:off x="3953816" y="2138542"/>
+            <a:ext cx="3644072" cy="3644072"/>
+          </a:xfrm>
+          <a:prstGeom prst="rect">
+            <a:avLst/>
+          </a:prstGeom>
+          <a:noFill/>
+          <a:extLst>
+            <a:ext uri="{909E8E84-426E-40DD-AFC4-6F175D3DCCD1}">
+              <a14:hiddenFill xmlns:a14="http://schemas.microsoft.com/office/drawing/2010/main">
+                <a:solidFill>
+                  <a:srgbClr val="FFFFFF"/>
+                </a:solidFill>
+              </a14:hiddenFill>
+            </a:ext>
+          </a:extLst>
         </p:spPr>
       </p:pic>
     </p:spTree>
@@ -6331,6 +6371,21 @@
   <p:clrMapOvr>
     <a:masterClrMapping/>
   </p:clrMapOvr>
+  <mc:AlternateContent xmlns:mc="http://schemas.openxmlformats.org/markup-compatibility/2006">
+    <mc:Choice xmlns:p14="http://schemas.microsoft.com/office/powerpoint/2010/main" Requires="p14">
+      <p:transition spd="slow" p14:dur="2000"/>
+    </mc:Choice>
+    <mc:Fallback>
+      <p:transition spd="slow"/>
+    </mc:Fallback>
+  </mc:AlternateContent>
+  <p:timing>
+    <p:tnLst>
+      <p:par>
+        <p:cTn id="1" dur="indefinite" restart="never" nodeType="tmRoot"/>
+      </p:par>
+    </p:tnLst>
+  </p:timing>
 </p:sld>
 </file>
 
@@ -7006,36 +7061,24 @@
         </p:nvSpPr>
         <p:spPr>
           <a:xfrm>
-            <a:off x="685800" y="2766537"/>
-            <a:ext cx="10131425" cy="1983884"/>
-          </a:xfrm>
-        </p:spPr>
-        <p:txBody>
-          <a:bodyPr/>
-          <a:lstStyle/>
-          <a:p>
-            <a:r>
-              <a:rPr lang="fr-BE" dirty="0" smtClean="0"/>
-              <a:t>Durée du trajet ( itinéraire )</a:t>
-            </a:r>
-          </a:p>
-          <a:p>
-            <a:r>
-              <a:rPr lang="fr-BE" dirty="0" smtClean="0"/>
-              <a:t>Kilométrage du trajet </a:t>
-            </a:r>
-            <a:r>
-              <a:rPr lang="fr-BE" dirty="0"/>
-              <a:t>( itinéraire )</a:t>
-            </a:r>
-            <a:endParaRPr lang="fr-BE" dirty="0" smtClean="0"/>
-          </a:p>
-          <a:p>
-            <a:r>
-              <a:rPr lang="fr-BE" dirty="0" smtClean="0"/>
-              <a:t>Géolocalisation</a:t>
-            </a:r>
-            <a:endParaRPr lang="fr-BE" dirty="0"/>
+            <a:off x="3068392" y="1671833"/>
+            <a:ext cx="5019541" cy="955457"/>
+          </a:xfrm>
+        </p:spPr>
+        <p:txBody>
+          <a:bodyPr>
+            <a:normAutofit fontScale="92500"/>
+          </a:bodyPr>
+          <a:lstStyle/>
+          <a:p>
+            <a:pPr marL="0" indent="0" algn="ctr">
+              <a:buNone/>
+            </a:pPr>
+            <a:r>
+              <a:rPr lang="fr-BE" sz="3200" dirty="0" smtClean="0"/>
+              <a:t>Fonctionnalité supplémentaire</a:t>
+            </a:r>
+            <a:endParaRPr lang="fr-BE" sz="3200" dirty="0" smtClean="0"/>
           </a:p>
         </p:txBody>
       </p:sp>
@@ -7067,6 +7110,47 @@
           <a:prstGeom prst="rect">
             <a:avLst/>
           </a:prstGeom>
+        </p:spPr>
+      </p:pic>
+      <p:pic>
+        <p:nvPicPr>
+          <p:cNvPr id="2050" name="Picture 2" descr="C:\Users\regfa\Documents\GitHub\mapsLibrary\PWP Presentation 1\logo mapbox.jpg"/>
+          <p:cNvPicPr>
+            <a:picLocks noChangeAspect="1" noChangeArrowheads="1"/>
+          </p:cNvPicPr>
+          <p:nvPr/>
+        </p:nvPicPr>
+        <p:blipFill>
+          <a:blip r:embed="rId3">
+            <a:extLst>
+              <a:ext uri="{28A0092B-C50C-407E-A947-70E740481C1C}">
+                <a14:useLocalDpi xmlns:a14="http://schemas.microsoft.com/office/drawing/2010/main" val="0"/>
+              </a:ext>
+            </a:extLst>
+          </a:blip>
+          <a:srcRect/>
+          <a:stretch>
+            <a:fillRect/>
+          </a:stretch>
+        </p:blipFill>
+        <p:spPr bwMode="auto">
+          <a:xfrm>
+            <a:off x="3232597" y="2653048"/>
+            <a:ext cx="4610637" cy="4018207"/>
+          </a:xfrm>
+          <a:prstGeom prst="rect">
+            <a:avLst/>
+          </a:prstGeom>
+          <a:noFill/>
+          <a:extLst>
+            <a:ext uri="{909E8E84-426E-40DD-AFC4-6F175D3DCCD1}">
+              <a14:hiddenFill xmlns:a14="http://schemas.microsoft.com/office/drawing/2010/main">
+                <a:solidFill>
+                  <a:srgbClr val="FFFFFF"/>
+                </a:solidFill>
+              </a14:hiddenFill>
+            </a:ext>
+          </a:extLst>
         </p:spPr>
       </p:pic>
     </p:spTree>
@@ -7332,7 +7416,7 @@
   <a:extraClrSchemeLst/>
   <a:extLst>
     <a:ext uri="{05A4C25C-085E-4340-85A3-A5531E510DB2}">
-      <thm15:themeFamily xmlns:thm15="http://schemas.microsoft.com/office/thememl/2012/main" name="Celestial" id="{C4BB2A3D-0E93-4C5F-B0D2-9D3FCE089CC5}" vid="{E44E6A2F-09CD-4BE0-B42D-107FF03CEED6}"/>
+      <thm15:themeFamily xmlns:thm15="http://schemas.microsoft.com/office/thememl/2012/main" xmlns="" name="Celestial" id="{C4BB2A3D-0E93-4C5F-B0D2-9D3FCE089CC5}" vid="{E44E6A2F-09CD-4BE0-B42D-107FF03CEED6}"/>
     </a:ext>
   </a:extLst>
 </a:theme>
